--- a/Slides/DHCAL_ReadOutElectronics.pptx
+++ b/Slides/DHCAL_ReadOutElectronics.pptx
@@ -6,6 +6,10 @@
   </p:sldMasterIdLst>
   <p:sldIdLst>
     <p:sldId id="256" r:id="rId2"/>
+    <p:sldId id="257" r:id="rId3"/>
+    <p:sldId id="259" r:id="rId4"/>
+    <p:sldId id="258" r:id="rId5"/>
+    <p:sldId id="260" r:id="rId6"/>
   </p:sldIdLst>
   <p:sldSz cx="9144000" cy="6858000" type="screen4x3"/>
   <p:notesSz cx="6858000" cy="9144000"/>
@@ -339,7 +343,7 @@
           <a:p>
             <a:fld id="{4BDF68E2-58F2-4D09-BE8B-E3BD06533059}" type="datetimeFigureOut">
               <a:rPr lang="en-US" smtClean="0"/>
-              <a:t>4/13/2017</a:t>
+              <a:t>4/14/2017</a:t>
             </a:fld>
             <a:endParaRPr lang="en-US" dirty="0"/>
           </a:p>
@@ -547,7 +551,7 @@
           <a:p>
             <a:fld id="{2E2D6473-DF6D-4702-B328-E0DD40540A4E}" type="datetimeFigureOut">
               <a:rPr lang="en-US" smtClean="0"/>
-              <a:t>4/13/2017</a:t>
+              <a:t>4/14/2017</a:t>
             </a:fld>
             <a:endParaRPr lang="en-US" dirty="0"/>
           </a:p>
@@ -803,7 +807,7 @@
           <a:p>
             <a:fld id="{E26F7E3A-B166-407D-9866-32884E7D5B37}" type="datetimeFigureOut">
               <a:rPr lang="en-US" smtClean="0"/>
-              <a:t>4/13/2017</a:t>
+              <a:t>4/14/2017</a:t>
             </a:fld>
             <a:endParaRPr lang="en-US" dirty="0"/>
           </a:p>
@@ -921,7 +925,9 @@
         </p:nvSpPr>
         <p:spPr/>
         <p:txBody>
-          <a:bodyPr/>
+          <a:bodyPr>
+            <a:normAutofit/>
+          </a:bodyPr>
           <a:lstStyle>
             <a:lvl1pPr marL="91440" indent="-91440">
               <a:buClr>
@@ -929,65 +935,65 @@
               </a:buClr>
               <a:buFont typeface="Wingdings" panose="05000000000000000000" pitchFamily="2" charset="2"/>
               <a:buChar char="Ø"/>
-              <a:defRPr/>
+              <a:defRPr sz="2800"/>
             </a:lvl1pPr>
             <a:lvl2pPr>
               <a:buClr>
                 <a:schemeClr val="tx1"/>
               </a:buClr>
-              <a:defRPr/>
+              <a:defRPr sz="2400"/>
             </a:lvl2pPr>
             <a:lvl3pPr>
               <a:buClr>
                 <a:schemeClr val="tx1"/>
               </a:buClr>
-              <a:defRPr/>
+              <a:defRPr sz="1800"/>
             </a:lvl3pPr>
             <a:lvl4pPr>
               <a:buClr>
                 <a:schemeClr val="tx1"/>
               </a:buClr>
-              <a:defRPr/>
+              <a:defRPr sz="1800"/>
             </a:lvl4pPr>
             <a:lvl5pPr>
               <a:buClr>
                 <a:schemeClr val="tx1"/>
               </a:buClr>
-              <a:defRPr/>
+              <a:defRPr sz="1800"/>
             </a:lvl5pPr>
           </a:lstStyle>
           <a:p>
             <a:pPr lvl="0"/>
             <a:r>
-              <a:rPr lang="zh-CN" altLang="en-US" smtClean="0"/>
+              <a:rPr lang="zh-CN" altLang="en-US" dirty="0" smtClean="0"/>
               <a:t>单击此处编辑母版文本样式</a:t>
             </a:r>
           </a:p>
           <a:p>
             <a:pPr lvl="1"/>
             <a:r>
-              <a:rPr lang="zh-CN" altLang="en-US" smtClean="0"/>
+              <a:rPr lang="zh-CN" altLang="en-US" dirty="0" smtClean="0"/>
               <a:t>第二级</a:t>
             </a:r>
           </a:p>
           <a:p>
             <a:pPr lvl="2"/>
             <a:r>
-              <a:rPr lang="zh-CN" altLang="en-US" smtClean="0"/>
+              <a:rPr lang="zh-CN" altLang="en-US" dirty="0" smtClean="0"/>
               <a:t>第三级</a:t>
             </a:r>
           </a:p>
           <a:p>
             <a:pPr lvl="3"/>
             <a:r>
-              <a:rPr lang="zh-CN" altLang="en-US" smtClean="0"/>
+              <a:rPr lang="zh-CN" altLang="en-US" dirty="0" smtClean="0"/>
               <a:t>第四级</a:t>
             </a:r>
           </a:p>
           <a:p>
             <a:pPr lvl="4"/>
             <a:r>
-              <a:rPr lang="zh-CN" altLang="en-US" smtClean="0"/>
+              <a:rPr lang="zh-CN" altLang="en-US" dirty="0" smtClean="0"/>
               <a:t>第五级</a:t>
             </a:r>
             <a:endParaRPr lang="en-US" dirty="0"/>
@@ -1011,7 +1017,7 @@
           <a:p>
             <a:fld id="{528FC5F6-F338-4AE4-BB23-26385BCFC423}" type="datetimeFigureOut">
               <a:rPr lang="en-US" smtClean="0"/>
-              <a:t>4/13/2017</a:t>
+              <a:t>4/14/2017</a:t>
             </a:fld>
             <a:endParaRPr lang="en-US" dirty="0"/>
           </a:p>
@@ -1354,7 +1360,7 @@
           <a:p>
             <a:fld id="{20EBB0C4-6273-4C6E-B9BD-2EDC30F1CD52}" type="datetimeFigureOut">
               <a:rPr lang="en-US" smtClean="0"/>
-              <a:t>4/13/2017</a:t>
+              <a:t>4/14/2017</a:t>
             </a:fld>
             <a:endParaRPr lang="en-US" dirty="0"/>
           </a:p>
@@ -1629,7 +1635,7 @@
           <a:p>
             <a:fld id="{19AB4D41-86C1-4908-B66A-0B50CEB3BF29}" type="datetimeFigureOut">
               <a:rPr lang="en-US" smtClean="0"/>
-              <a:t>4/13/2017</a:t>
+              <a:t>4/14/2017</a:t>
             </a:fld>
             <a:endParaRPr lang="en-US" dirty="0"/>
           </a:p>
@@ -2008,7 +2014,7 @@
           <a:p>
             <a:fld id="{E6426E2C-56C1-4E0D-A793-0088A7FDD37E}" type="datetimeFigureOut">
               <a:rPr lang="en-US" smtClean="0"/>
-              <a:t>4/13/2017</a:t>
+              <a:t>4/14/2017</a:t>
             </a:fld>
             <a:endParaRPr lang="en-US" dirty="0"/>
           </a:p>
@@ -2126,7 +2132,7 @@
           <a:p>
             <a:fld id="{C8C39B41-D8B5-4052-B551-9B5525EAA8B6}" type="datetimeFigureOut">
               <a:rPr lang="en-US" smtClean="0"/>
-              <a:t>4/13/2017</a:t>
+              <a:t>4/14/2017</a:t>
             </a:fld>
             <a:endParaRPr lang="en-US" dirty="0"/>
           </a:p>
@@ -2297,7 +2303,7 @@
           <a:p>
             <a:fld id="{4D94136C-8742-45B2-AF27-D93DF72833A9}" type="datetimeFigureOut">
               <a:rPr lang="en-US" smtClean="0"/>
-              <a:t>4/13/2017</a:t>
+              <a:t>4/14/2017</a:t>
             </a:fld>
             <a:endParaRPr lang="en-US" dirty="0"/>
           </a:p>
@@ -2652,7 +2658,7 @@
           <a:p>
             <a:fld id="{32ABBEA6-7C60-4B02-AE87-00D78D8422AF}" type="datetimeFigureOut">
               <a:rPr lang="en-US" smtClean="0"/>
-              <a:t>4/13/2017</a:t>
+              <a:t>4/14/2017</a:t>
             </a:fld>
             <a:endParaRPr lang="en-US" dirty="0"/>
           </a:p>
@@ -3035,7 +3041,7 @@
           <a:p>
             <a:fld id="{C9CAD897-D46E-4AD2-BD9B-49DD3E640873}" type="datetimeFigureOut">
               <a:rPr lang="en-US" smtClean="0"/>
-              <a:t>4/13/2017</a:t>
+              <a:t>4/14/2017</a:t>
             </a:fld>
             <a:endParaRPr lang="en-US" dirty="0"/>
           </a:p>
@@ -3254,35 +3260,35 @@
           <a:p>
             <a:pPr lvl="0"/>
             <a:r>
-              <a:rPr lang="zh-CN" altLang="en-US" smtClean="0"/>
+              <a:rPr lang="zh-CN" altLang="en-US" dirty="0" smtClean="0"/>
               <a:t>单击此处编辑母版文本样式</a:t>
             </a:r>
           </a:p>
           <a:p>
             <a:pPr lvl="1"/>
             <a:r>
-              <a:rPr lang="zh-CN" altLang="en-US" smtClean="0"/>
+              <a:rPr lang="zh-CN" altLang="en-US" dirty="0" smtClean="0"/>
               <a:t>第二级</a:t>
             </a:r>
           </a:p>
           <a:p>
             <a:pPr lvl="2"/>
             <a:r>
-              <a:rPr lang="zh-CN" altLang="en-US" smtClean="0"/>
+              <a:rPr lang="zh-CN" altLang="en-US" dirty="0" smtClean="0"/>
               <a:t>第三级</a:t>
             </a:r>
           </a:p>
           <a:p>
             <a:pPr lvl="3"/>
             <a:r>
-              <a:rPr lang="zh-CN" altLang="en-US" smtClean="0"/>
+              <a:rPr lang="zh-CN" altLang="en-US" dirty="0" smtClean="0"/>
               <a:t>第四级</a:t>
             </a:r>
           </a:p>
           <a:p>
             <a:pPr lvl="4"/>
             <a:r>
-              <a:rPr lang="zh-CN" altLang="en-US" smtClean="0"/>
+              <a:rPr lang="zh-CN" altLang="en-US" dirty="0" smtClean="0"/>
               <a:t>第五级</a:t>
             </a:r>
             <a:endParaRPr lang="en-US" dirty="0"/>
@@ -3322,7 +3328,7 @@
           <a:p>
             <a:fld id="{98624D31-43A5-475A-80CF-332C9F6DCF35}" type="datetimeFigureOut">
               <a:rPr lang="en-US" smtClean="0"/>
-              <a:t>4/13/2017</a:t>
+              <a:t>4/14/2017</a:t>
             </a:fld>
             <a:endParaRPr lang="en-US" dirty="0"/>
           </a:p>
@@ -3503,7 +3509,7 @@
         <a:buSzPct val="100000"/>
         <a:buFont typeface="Calibri" panose="020F0502020204030204" pitchFamily="34" charset="0"/>
         <a:buChar char=" "/>
-        <a:defRPr sz="2000" kern="1200">
+        <a:defRPr sz="2400" kern="1200">
           <a:solidFill>
             <a:schemeClr val="tx1">
               <a:lumMod val="75000"/>
@@ -3530,7 +3536,7 @@
         </a:buClr>
         <a:buFont typeface="Calibri" pitchFamily="34" charset="0"/>
         <a:buChar char="◦"/>
-        <a:defRPr sz="1800" kern="1200">
+        <a:defRPr sz="2000" kern="1200">
           <a:solidFill>
             <a:schemeClr val="tx1">
               <a:lumMod val="75000"/>
@@ -3557,7 +3563,7 @@
         </a:buClr>
         <a:buFont typeface="Calibri" pitchFamily="34" charset="0"/>
         <a:buChar char="◦"/>
-        <a:defRPr sz="1400" kern="1200">
+        <a:defRPr sz="1600" kern="1200">
           <a:solidFill>
             <a:schemeClr val="tx1">
               <a:lumMod val="75000"/>
@@ -3584,7 +3590,7 @@
         </a:buClr>
         <a:buFont typeface="Calibri" pitchFamily="34" charset="0"/>
         <a:buChar char="◦"/>
-        <a:defRPr sz="1400" kern="1200">
+        <a:defRPr sz="1600" kern="1200">
           <a:solidFill>
             <a:schemeClr val="tx1">
               <a:lumMod val="75000"/>
@@ -3611,7 +3617,7 @@
         </a:buClr>
         <a:buFont typeface="Calibri" pitchFamily="34" charset="0"/>
         <a:buChar char="◦"/>
-        <a:defRPr sz="1400" kern="1200">
+        <a:defRPr sz="1600" kern="1200">
           <a:solidFill>
             <a:schemeClr val="tx1">
               <a:lumMod val="75000"/>
@@ -3860,29 +3866,42 @@
         </p:nvSpPr>
         <p:spPr/>
         <p:txBody>
+          <a:bodyPr>
+            <a:normAutofit fontScale="90000"/>
+          </a:bodyPr>
+          <a:lstStyle/>
+          <a:p>
+            <a:r>
+              <a:rPr lang="en-US" altLang="zh-CN" dirty="0" smtClean="0"/>
+              <a:t>CEPC HCAL</a:t>
+            </a:r>
+            <a:br>
+              <a:rPr lang="en-US" altLang="zh-CN" dirty="0" smtClean="0"/>
+            </a:br>
+            <a:r>
+              <a:rPr lang="en-US" altLang="zh-CN" dirty="0"/>
+              <a:t>Readout Electronics</a:t>
+            </a:r>
+            <a:endParaRPr lang="zh-CN" altLang="en-US" dirty="0"/>
+          </a:p>
+        </p:txBody>
+      </p:sp>
+      <p:sp>
+        <p:nvSpPr>
+          <p:cNvPr id="3" name="副标题 2"/>
+          <p:cNvSpPr>
+            <a:spLocks noGrp="1"/>
+          </p:cNvSpPr>
+          <p:nvPr>
+            <p:ph type="subTitle" idx="1"/>
+          </p:nvPr>
+        </p:nvSpPr>
+        <p:spPr/>
+        <p:txBody>
           <a:bodyPr/>
           <a:lstStyle/>
           <a:p>
-            <a:endParaRPr lang="zh-CN" altLang="en-US"/>
-          </a:p>
-        </p:txBody>
-      </p:sp>
-      <p:sp>
-        <p:nvSpPr>
-          <p:cNvPr id="3" name="副标题 2"/>
-          <p:cNvSpPr>
-            <a:spLocks noGrp="1"/>
-          </p:cNvSpPr>
-          <p:nvPr>
-            <p:ph type="subTitle" idx="1"/>
-          </p:nvPr>
-        </p:nvSpPr>
-        <p:spPr/>
-        <p:txBody>
-          <a:bodyPr/>
-          <a:lstStyle/>
-          <a:p>
-            <a:endParaRPr lang="zh-CN" altLang="en-US"/>
+            <a:endParaRPr lang="zh-CN" altLang="en-US" dirty="0"/>
           </a:p>
         </p:txBody>
       </p:sp>
@@ -3890,6 +3909,1041 @@
     <p:extLst>
       <p:ext uri="{BB962C8B-B14F-4D97-AF65-F5344CB8AC3E}">
         <p14:creationId xmlns:p14="http://schemas.microsoft.com/office/powerpoint/2010/main" val="697585514"/>
+      </p:ext>
+    </p:extLst>
+  </p:cSld>
+  <p:clrMapOvr>
+    <a:masterClrMapping/>
+  </p:clrMapOvr>
+</p:sld>
+</file>
+
+<file path=ppt/slides/slide2.xml><?xml version="1.0" encoding="utf-8"?>
+<p:sld xmlns:a="http://schemas.openxmlformats.org/drawingml/2006/main" xmlns:r="http://schemas.openxmlformats.org/officeDocument/2006/relationships" xmlns:p="http://schemas.openxmlformats.org/presentationml/2006/main">
+  <p:cSld>
+    <p:spTree>
+      <p:nvGrpSpPr>
+        <p:cNvPr id="1" name=""/>
+        <p:cNvGrpSpPr/>
+        <p:nvPr/>
+      </p:nvGrpSpPr>
+      <p:grpSpPr>
+        <a:xfrm>
+          <a:off x="0" y="0"/>
+          <a:ext cx="0" cy="0"/>
+          <a:chOff x="0" y="0"/>
+          <a:chExt cx="0" cy="0"/>
+        </a:xfrm>
+      </p:grpSpPr>
+      <p:sp>
+        <p:nvSpPr>
+          <p:cNvPr id="2" name="标题 1"/>
+          <p:cNvSpPr>
+            <a:spLocks noGrp="1"/>
+          </p:cNvSpPr>
+          <p:nvPr>
+            <p:ph type="title"/>
+          </p:nvPr>
+        </p:nvSpPr>
+        <p:spPr/>
+        <p:txBody>
+          <a:bodyPr/>
+          <a:lstStyle/>
+          <a:p>
+            <a:r>
+              <a:rPr lang="en-US" altLang="zh-CN" dirty="0" smtClean="0"/>
+              <a:t>Content</a:t>
+            </a:r>
+            <a:endParaRPr lang="zh-CN" altLang="en-US" dirty="0"/>
+          </a:p>
+        </p:txBody>
+      </p:sp>
+      <p:sp>
+        <p:nvSpPr>
+          <p:cNvPr id="3" name="内容占位符 2"/>
+          <p:cNvSpPr>
+            <a:spLocks noGrp="1"/>
+          </p:cNvSpPr>
+          <p:nvPr>
+            <p:ph idx="1"/>
+          </p:nvPr>
+        </p:nvSpPr>
+        <p:spPr/>
+        <p:txBody>
+          <a:bodyPr>
+            <a:normAutofit fontScale="92500" lnSpcReduction="10000"/>
+          </a:bodyPr>
+          <a:lstStyle/>
+          <a:p>
+            <a:r>
+              <a:rPr lang="en-US" altLang="zh-CN" dirty="0" smtClean="0"/>
+              <a:t>Background</a:t>
+            </a:r>
+          </a:p>
+          <a:p>
+            <a:pPr lvl="1"/>
+            <a:r>
+              <a:rPr lang="en-US" altLang="zh-CN" dirty="0" smtClean="0"/>
+              <a:t>CEPC Calorimeters</a:t>
+            </a:r>
+          </a:p>
+          <a:p>
+            <a:pPr lvl="1"/>
+            <a:r>
+              <a:rPr lang="en-US" altLang="zh-CN" dirty="0" smtClean="0"/>
+              <a:t>Requirement of Readout Electronics</a:t>
+            </a:r>
+          </a:p>
+          <a:p>
+            <a:pPr lvl="1"/>
+            <a:r>
+              <a:rPr lang="en-US" altLang="zh-CN" dirty="0" smtClean="0"/>
+              <a:t>Frame of the Readout Electronics</a:t>
+            </a:r>
+          </a:p>
+          <a:p>
+            <a:r>
+              <a:rPr lang="en-US" altLang="zh-CN" dirty="0" smtClean="0"/>
+              <a:t>Design of the Test-Board</a:t>
+            </a:r>
+          </a:p>
+          <a:p>
+            <a:pPr lvl="1"/>
+            <a:r>
+              <a:rPr lang="en-US" altLang="zh-CN" dirty="0" smtClean="0"/>
+              <a:t>Introduction of Readout ASIC</a:t>
+            </a:r>
+          </a:p>
+          <a:p>
+            <a:pPr lvl="1"/>
+            <a:r>
+              <a:rPr lang="en-US" altLang="zh-CN" dirty="0" smtClean="0"/>
+              <a:t>Design of the Stage1 Test-Board</a:t>
+            </a:r>
+          </a:p>
+          <a:p>
+            <a:pPr lvl="1"/>
+            <a:r>
+              <a:rPr lang="en-US" altLang="zh-CN" dirty="0" smtClean="0"/>
+              <a:t>Progress</a:t>
+            </a:r>
+          </a:p>
+          <a:p>
+            <a:pPr lvl="1"/>
+            <a:r>
+              <a:rPr lang="en-US" altLang="zh-CN" dirty="0" smtClean="0"/>
+              <a:t>Problem</a:t>
+            </a:r>
+          </a:p>
+          <a:p>
+            <a:r>
+              <a:rPr lang="en-US" altLang="zh-CN" dirty="0" smtClean="0"/>
+              <a:t>Future Work</a:t>
+            </a:r>
+          </a:p>
+          <a:p>
+            <a:pPr lvl="1"/>
+            <a:r>
+              <a:rPr lang="en-US" altLang="zh-CN" dirty="0" smtClean="0"/>
+              <a:t>Design a Read-out Array</a:t>
+            </a:r>
+          </a:p>
+          <a:p>
+            <a:pPr lvl="1"/>
+            <a:r>
+              <a:rPr lang="en-US" altLang="zh-CN" dirty="0" smtClean="0"/>
+              <a:t>Prototype Machine</a:t>
+            </a:r>
+            <a:endParaRPr lang="zh-CN" altLang="en-US" dirty="0"/>
+          </a:p>
+        </p:txBody>
+      </p:sp>
+    </p:spTree>
+    <p:extLst>
+      <p:ext uri="{BB962C8B-B14F-4D97-AF65-F5344CB8AC3E}">
+        <p14:creationId xmlns:p14="http://schemas.microsoft.com/office/powerpoint/2010/main" val="2572483510"/>
+      </p:ext>
+    </p:extLst>
+  </p:cSld>
+  <p:clrMapOvr>
+    <a:masterClrMapping/>
+  </p:clrMapOvr>
+</p:sld>
+</file>
+
+<file path=ppt/slides/slide3.xml><?xml version="1.0" encoding="utf-8"?>
+<p:sld xmlns:a="http://schemas.openxmlformats.org/drawingml/2006/main" xmlns:r="http://schemas.openxmlformats.org/officeDocument/2006/relationships" xmlns:p="http://schemas.openxmlformats.org/presentationml/2006/main">
+  <p:cSld>
+    <p:spTree>
+      <p:nvGrpSpPr>
+        <p:cNvPr id="1" name=""/>
+        <p:cNvGrpSpPr/>
+        <p:nvPr/>
+      </p:nvGrpSpPr>
+      <p:grpSpPr>
+        <a:xfrm>
+          <a:off x="0" y="0"/>
+          <a:ext cx="0" cy="0"/>
+          <a:chOff x="0" y="0"/>
+          <a:chExt cx="0" cy="0"/>
+        </a:xfrm>
+      </p:grpSpPr>
+      <p:sp>
+        <p:nvSpPr>
+          <p:cNvPr id="2" name="标题 1"/>
+          <p:cNvSpPr>
+            <a:spLocks noGrp="1"/>
+          </p:cNvSpPr>
+          <p:nvPr>
+            <p:ph type="title"/>
+          </p:nvPr>
+        </p:nvSpPr>
+        <p:spPr/>
+        <p:txBody>
+          <a:bodyPr/>
+          <a:lstStyle/>
+          <a:p>
+            <a:r>
+              <a:rPr lang="en-US" altLang="zh-CN" dirty="0" smtClean="0"/>
+              <a:t>Content</a:t>
+            </a:r>
+            <a:endParaRPr lang="zh-CN" altLang="en-US" dirty="0"/>
+          </a:p>
+        </p:txBody>
+      </p:sp>
+      <p:sp>
+        <p:nvSpPr>
+          <p:cNvPr id="3" name="内容占位符 2"/>
+          <p:cNvSpPr>
+            <a:spLocks noGrp="1"/>
+          </p:cNvSpPr>
+          <p:nvPr>
+            <p:ph idx="1"/>
+          </p:nvPr>
+        </p:nvSpPr>
+        <p:spPr/>
+        <p:txBody>
+          <a:bodyPr>
+            <a:normAutofit fontScale="92500" lnSpcReduction="10000"/>
+          </a:bodyPr>
+          <a:lstStyle/>
+          <a:p>
+            <a:r>
+              <a:rPr lang="en-US" altLang="zh-CN" dirty="0" smtClean="0"/>
+              <a:t>Background</a:t>
+            </a:r>
+          </a:p>
+          <a:p>
+            <a:pPr lvl="1"/>
+            <a:r>
+              <a:rPr lang="en-US" altLang="zh-CN" dirty="0" smtClean="0"/>
+              <a:t>CEPC Calorimeters</a:t>
+            </a:r>
+          </a:p>
+          <a:p>
+            <a:pPr lvl="1"/>
+            <a:r>
+              <a:rPr lang="en-US" altLang="zh-CN" dirty="0" smtClean="0">
+                <a:solidFill>
+                  <a:schemeClr val="bg1">
+                    <a:lumMod val="85000"/>
+                  </a:schemeClr>
+                </a:solidFill>
+              </a:rPr>
+              <a:t>Requirement of Readout Electronics</a:t>
+            </a:r>
+          </a:p>
+          <a:p>
+            <a:pPr lvl="1"/>
+            <a:r>
+              <a:rPr lang="en-US" altLang="zh-CN" dirty="0" smtClean="0">
+                <a:solidFill>
+                  <a:schemeClr val="bg1">
+                    <a:lumMod val="85000"/>
+                  </a:schemeClr>
+                </a:solidFill>
+              </a:rPr>
+              <a:t>Frame of the Readout Electronics</a:t>
+            </a:r>
+          </a:p>
+          <a:p>
+            <a:r>
+              <a:rPr lang="en-US" altLang="zh-CN" dirty="0" smtClean="0">
+                <a:solidFill>
+                  <a:schemeClr val="bg1">
+                    <a:lumMod val="85000"/>
+                  </a:schemeClr>
+                </a:solidFill>
+              </a:rPr>
+              <a:t>Design of the Test-Board</a:t>
+            </a:r>
+          </a:p>
+          <a:p>
+            <a:pPr lvl="1"/>
+            <a:r>
+              <a:rPr lang="en-US" altLang="zh-CN" dirty="0" smtClean="0">
+                <a:solidFill>
+                  <a:schemeClr val="bg1">
+                    <a:lumMod val="85000"/>
+                  </a:schemeClr>
+                </a:solidFill>
+              </a:rPr>
+              <a:t>Introduction of Readout ASIC</a:t>
+            </a:r>
+          </a:p>
+          <a:p>
+            <a:pPr lvl="1"/>
+            <a:r>
+              <a:rPr lang="en-US" altLang="zh-CN" dirty="0" smtClean="0">
+                <a:solidFill>
+                  <a:schemeClr val="bg1">
+                    <a:lumMod val="85000"/>
+                  </a:schemeClr>
+                </a:solidFill>
+              </a:rPr>
+              <a:t>Design of the Stage1 Test-Board</a:t>
+            </a:r>
+          </a:p>
+          <a:p>
+            <a:pPr lvl="1"/>
+            <a:r>
+              <a:rPr lang="en-US" altLang="zh-CN" dirty="0" smtClean="0">
+                <a:solidFill>
+                  <a:schemeClr val="bg1">
+                    <a:lumMod val="85000"/>
+                  </a:schemeClr>
+                </a:solidFill>
+              </a:rPr>
+              <a:t>Progress</a:t>
+            </a:r>
+          </a:p>
+          <a:p>
+            <a:pPr lvl="1"/>
+            <a:r>
+              <a:rPr lang="en-US" altLang="zh-CN" dirty="0" smtClean="0">
+                <a:solidFill>
+                  <a:schemeClr val="bg1">
+                    <a:lumMod val="85000"/>
+                  </a:schemeClr>
+                </a:solidFill>
+              </a:rPr>
+              <a:t>Problem</a:t>
+            </a:r>
+          </a:p>
+          <a:p>
+            <a:r>
+              <a:rPr lang="en-US" altLang="zh-CN" dirty="0" smtClean="0">
+                <a:solidFill>
+                  <a:schemeClr val="bg1">
+                    <a:lumMod val="85000"/>
+                  </a:schemeClr>
+                </a:solidFill>
+              </a:rPr>
+              <a:t>Future Work</a:t>
+            </a:r>
+          </a:p>
+          <a:p>
+            <a:pPr lvl="1"/>
+            <a:r>
+              <a:rPr lang="en-US" altLang="zh-CN" dirty="0" smtClean="0">
+                <a:solidFill>
+                  <a:schemeClr val="bg1">
+                    <a:lumMod val="85000"/>
+                  </a:schemeClr>
+                </a:solidFill>
+              </a:rPr>
+              <a:t>Design a Read-out Array</a:t>
+            </a:r>
+          </a:p>
+          <a:p>
+            <a:pPr lvl="1"/>
+            <a:r>
+              <a:rPr lang="en-US" altLang="zh-CN" dirty="0" smtClean="0">
+                <a:solidFill>
+                  <a:schemeClr val="bg1">
+                    <a:lumMod val="85000"/>
+                  </a:schemeClr>
+                </a:solidFill>
+              </a:rPr>
+              <a:t>Prototype Machine</a:t>
+            </a:r>
+            <a:endParaRPr lang="zh-CN" altLang="en-US" dirty="0">
+              <a:solidFill>
+                <a:schemeClr val="bg1">
+                  <a:lumMod val="85000"/>
+                </a:schemeClr>
+              </a:solidFill>
+            </a:endParaRPr>
+          </a:p>
+        </p:txBody>
+      </p:sp>
+    </p:spTree>
+    <p:extLst>
+      <p:ext uri="{BB962C8B-B14F-4D97-AF65-F5344CB8AC3E}">
+        <p14:creationId xmlns:p14="http://schemas.microsoft.com/office/powerpoint/2010/main" val="2981552224"/>
+      </p:ext>
+    </p:extLst>
+  </p:cSld>
+  <p:clrMapOvr>
+    <a:masterClrMapping/>
+  </p:clrMapOvr>
+</p:sld>
+</file>
+
+<file path=ppt/slides/slide4.xml><?xml version="1.0" encoding="utf-8"?>
+<p:sld xmlns:a="http://schemas.openxmlformats.org/drawingml/2006/main" xmlns:r="http://schemas.openxmlformats.org/officeDocument/2006/relationships" xmlns:p="http://schemas.openxmlformats.org/presentationml/2006/main">
+  <p:cSld>
+    <p:spTree>
+      <p:nvGrpSpPr>
+        <p:cNvPr id="1" name=""/>
+        <p:cNvGrpSpPr/>
+        <p:nvPr/>
+      </p:nvGrpSpPr>
+      <p:grpSpPr>
+        <a:xfrm>
+          <a:off x="0" y="0"/>
+          <a:ext cx="0" cy="0"/>
+          <a:chOff x="0" y="0"/>
+          <a:chExt cx="0" cy="0"/>
+        </a:xfrm>
+      </p:grpSpPr>
+      <p:sp>
+        <p:nvSpPr>
+          <p:cNvPr id="2" name="标题 1"/>
+          <p:cNvSpPr>
+            <a:spLocks noGrp="1"/>
+          </p:cNvSpPr>
+          <p:nvPr>
+            <p:ph type="title"/>
+          </p:nvPr>
+        </p:nvSpPr>
+        <p:spPr/>
+        <p:txBody>
+          <a:bodyPr/>
+          <a:lstStyle/>
+          <a:p>
+            <a:r>
+              <a:rPr lang="en-US" altLang="zh-CN" dirty="0" smtClean="0"/>
+              <a:t>CEPC Calorimeters</a:t>
+            </a:r>
+            <a:endParaRPr lang="zh-CN" altLang="en-US" dirty="0"/>
+          </a:p>
+        </p:txBody>
+      </p:sp>
+      <p:sp>
+        <p:nvSpPr>
+          <p:cNvPr id="3" name="内容占位符 2"/>
+          <p:cNvSpPr>
+            <a:spLocks noGrp="1"/>
+          </p:cNvSpPr>
+          <p:nvPr>
+            <p:ph idx="1"/>
+          </p:nvPr>
+        </p:nvSpPr>
+        <p:spPr/>
+        <p:txBody>
+          <a:bodyPr>
+            <a:normAutofit lnSpcReduction="10000"/>
+          </a:bodyPr>
+          <a:lstStyle/>
+          <a:p>
+            <a:r>
+              <a:rPr lang="en-US" altLang="zh-CN" dirty="0" smtClean="0"/>
+              <a:t>Key Calorimeters</a:t>
+            </a:r>
+          </a:p>
+          <a:p>
+            <a:pPr lvl="1"/>
+            <a:r>
+              <a:rPr lang="en-US" altLang="zh-CN" dirty="0" smtClean="0"/>
+              <a:t>Electromagnetic </a:t>
+            </a:r>
+            <a:r>
+              <a:rPr lang="en-US" altLang="zh-CN" dirty="0"/>
+              <a:t>calorimeter (ECAL) </a:t>
+            </a:r>
+            <a:endParaRPr lang="en-US" altLang="zh-CN" dirty="0" smtClean="0"/>
+          </a:p>
+          <a:p>
+            <a:pPr lvl="1"/>
+            <a:r>
+              <a:rPr lang="en-US" altLang="zh-CN" dirty="0" smtClean="0"/>
+              <a:t>Hadron </a:t>
+            </a:r>
+            <a:r>
+              <a:rPr lang="en-US" altLang="zh-CN" dirty="0"/>
+              <a:t>calorimeter (HCAL</a:t>
+            </a:r>
+            <a:r>
+              <a:rPr lang="en-US" altLang="zh-CN" dirty="0" smtClean="0"/>
+              <a:t>)</a:t>
+            </a:r>
+          </a:p>
+          <a:p>
+            <a:r>
+              <a:rPr lang="en-US" altLang="zh-CN" dirty="0" smtClean="0"/>
+              <a:t>Designed </a:t>
+            </a:r>
+            <a:r>
+              <a:rPr lang="en-US" altLang="zh-CN" dirty="0"/>
+              <a:t>for precise energy measurements of electrons, photons, </a:t>
+            </a:r>
+            <a:r>
+              <a:rPr lang="en-US" altLang="zh-CN" dirty="0" err="1"/>
+              <a:t>taus</a:t>
+            </a:r>
+            <a:r>
+              <a:rPr lang="en-US" altLang="zh-CN" dirty="0"/>
+              <a:t> and hadronic jets</a:t>
+            </a:r>
+            <a:r>
+              <a:rPr lang="en-US" altLang="zh-CN" dirty="0" smtClean="0"/>
+              <a:t>.</a:t>
+            </a:r>
+          </a:p>
+          <a:p>
+            <a:r>
+              <a:rPr lang="en-US" altLang="zh-CN" dirty="0" smtClean="0"/>
+              <a:t>Basic </a:t>
+            </a:r>
+            <a:r>
+              <a:rPr lang="en-US" altLang="zh-CN" dirty="0"/>
+              <a:t>resolution </a:t>
+            </a:r>
+            <a:r>
+              <a:rPr lang="en-US" altLang="zh-CN" dirty="0" smtClean="0"/>
+              <a:t>requirements</a:t>
+            </a:r>
+          </a:p>
+          <a:p>
+            <a:pPr lvl="1"/>
+            <a:r>
+              <a:rPr lang="en-US" altLang="zh-CN" dirty="0" smtClean="0"/>
+              <a:t>ECAL: </a:t>
+            </a:r>
+            <a:r>
+              <a:rPr lang="en-US" altLang="zh-CN" dirty="0"/>
+              <a:t>16%/√(</a:t>
+            </a:r>
+            <a:r>
+              <a:rPr lang="zh-CN" altLang="en-US" dirty="0"/>
+              <a:t>𝐸</a:t>
+            </a:r>
+            <a:r>
+              <a:rPr lang="en-US" altLang="zh-CN" dirty="0"/>
+              <a:t>(</a:t>
+            </a:r>
+            <a:r>
+              <a:rPr lang="zh-CN" altLang="en-US" dirty="0"/>
+              <a:t>𝐺𝑒𝑉</a:t>
+            </a:r>
+            <a:r>
+              <a:rPr lang="en-US" altLang="zh-CN" dirty="0"/>
+              <a:t>)) </a:t>
+            </a:r>
+            <a:endParaRPr lang="en-US" altLang="zh-CN" dirty="0" smtClean="0"/>
+          </a:p>
+          <a:p>
+            <a:pPr lvl="1"/>
+            <a:r>
+              <a:rPr lang="en-US" altLang="zh-CN" dirty="0" smtClean="0"/>
+              <a:t>HCAL: 50</a:t>
+            </a:r>
+            <a:r>
+              <a:rPr lang="en-US" altLang="zh-CN" dirty="0"/>
+              <a:t>%/√(</a:t>
+            </a:r>
+            <a:r>
+              <a:rPr lang="zh-CN" altLang="en-US" dirty="0"/>
+              <a:t>𝐸</a:t>
+            </a:r>
+            <a:r>
+              <a:rPr lang="en-US" altLang="zh-CN" dirty="0"/>
+              <a:t>(</a:t>
+            </a:r>
+            <a:r>
+              <a:rPr lang="zh-CN" altLang="en-US" dirty="0"/>
+              <a:t>𝐺𝑒𝑉</a:t>
+            </a:r>
+            <a:r>
+              <a:rPr lang="en-US" altLang="zh-CN" dirty="0"/>
+              <a:t>)).</a:t>
+            </a:r>
+          </a:p>
+          <a:p>
+            <a:r>
+              <a:rPr lang="en-US" altLang="zh-CN" dirty="0"/>
+              <a:t>To achieve these, a Particle Algorithm oriented calorimetry system is being considered as the baseline design.</a:t>
+            </a:r>
+          </a:p>
+          <a:p>
+            <a:pPr lvl="1"/>
+            <a:endParaRPr lang="zh-CN" altLang="en-US" dirty="0"/>
+          </a:p>
+        </p:txBody>
+      </p:sp>
+    </p:spTree>
+    <p:extLst>
+      <p:ext uri="{BB962C8B-B14F-4D97-AF65-F5344CB8AC3E}">
+        <p14:creationId xmlns:p14="http://schemas.microsoft.com/office/powerpoint/2010/main" val="3533558492"/>
+      </p:ext>
+    </p:extLst>
+  </p:cSld>
+  <p:clrMapOvr>
+    <a:masterClrMapping/>
+  </p:clrMapOvr>
+</p:sld>
+</file>
+
+<file path=ppt/slides/slide5.xml><?xml version="1.0" encoding="utf-8"?>
+<p:sld xmlns:a="http://schemas.openxmlformats.org/drawingml/2006/main" xmlns:r="http://schemas.openxmlformats.org/officeDocument/2006/relationships" xmlns:p="http://schemas.openxmlformats.org/presentationml/2006/main">
+  <p:cSld>
+    <p:spTree>
+      <p:nvGrpSpPr>
+        <p:cNvPr id="1" name=""/>
+        <p:cNvGrpSpPr/>
+        <p:nvPr/>
+      </p:nvGrpSpPr>
+      <p:grpSpPr>
+        <a:xfrm>
+          <a:off x="0" y="0"/>
+          <a:ext cx="0" cy="0"/>
+          <a:chOff x="0" y="0"/>
+          <a:chExt cx="0" cy="0"/>
+        </a:xfrm>
+      </p:grpSpPr>
+      <p:sp>
+        <p:nvSpPr>
+          <p:cNvPr id="2" name="标题 1"/>
+          <p:cNvSpPr>
+            <a:spLocks noGrp="1"/>
+          </p:cNvSpPr>
+          <p:nvPr>
+            <p:ph type="title"/>
+          </p:nvPr>
+        </p:nvSpPr>
+        <p:spPr/>
+        <p:txBody>
+          <a:bodyPr/>
+          <a:lstStyle/>
+          <a:p>
+            <a:r>
+              <a:rPr lang="en-US" altLang="zh-CN" dirty="0"/>
+              <a:t>CEPC Calorimeters</a:t>
+            </a:r>
+            <a:endParaRPr lang="zh-CN" altLang="en-US" dirty="0"/>
+          </a:p>
+        </p:txBody>
+      </p:sp>
+      <p:sp>
+        <p:nvSpPr>
+          <p:cNvPr id="3" name="内容占位符 2"/>
+          <p:cNvSpPr>
+            <a:spLocks noGrp="1"/>
+          </p:cNvSpPr>
+          <p:nvPr>
+            <p:ph idx="1"/>
+          </p:nvPr>
+        </p:nvSpPr>
+        <p:spPr>
+          <a:xfrm>
+            <a:off x="822960" y="1175395"/>
+            <a:ext cx="3967981" cy="4693699"/>
+          </a:xfrm>
+        </p:spPr>
+        <p:txBody>
+          <a:bodyPr>
+            <a:normAutofit/>
+          </a:bodyPr>
+          <a:lstStyle/>
+          <a:p>
+            <a:r>
+              <a:rPr lang="en-US" altLang="zh-CN" dirty="0"/>
+              <a:t>Particle Flow Algorithm (PFA</a:t>
+            </a:r>
+            <a:r>
+              <a:rPr lang="en-US" altLang="zh-CN" dirty="0" smtClean="0"/>
+              <a:t>)</a:t>
+            </a:r>
+          </a:p>
+          <a:p>
+            <a:pPr lvl="1"/>
+            <a:r>
+              <a:rPr lang="en-US" altLang="zh-CN" dirty="0"/>
+              <a:t>Charged particles </a:t>
+            </a:r>
+            <a:r>
+              <a:rPr lang="en-US" altLang="zh-CN" dirty="0" smtClean="0"/>
+              <a:t>–&gt;tracker</a:t>
+            </a:r>
+            <a:endParaRPr lang="en-US" altLang="zh-CN" dirty="0"/>
+          </a:p>
+          <a:p>
+            <a:pPr lvl="1"/>
+            <a:r>
+              <a:rPr lang="en-US" altLang="zh-CN" dirty="0"/>
+              <a:t>Photons – </a:t>
+            </a:r>
+            <a:r>
+              <a:rPr lang="en-US" altLang="zh-CN" dirty="0" smtClean="0"/>
+              <a:t>&gt;electromagnetic </a:t>
+            </a:r>
+            <a:r>
+              <a:rPr lang="en-US" altLang="zh-CN" dirty="0"/>
+              <a:t>calorimeter </a:t>
+            </a:r>
+          </a:p>
+          <a:p>
+            <a:pPr lvl="1"/>
+            <a:r>
+              <a:rPr lang="en-US" altLang="zh-CN" dirty="0"/>
+              <a:t>Neutral hadrons </a:t>
+            </a:r>
+            <a:r>
+              <a:rPr lang="en-US" altLang="zh-CN" dirty="0" smtClean="0"/>
+              <a:t>–&gt; </a:t>
+            </a:r>
+            <a:r>
+              <a:rPr lang="en-US" altLang="zh-CN" dirty="0"/>
+              <a:t>hadronic </a:t>
+            </a:r>
+            <a:r>
+              <a:rPr lang="en-US" altLang="zh-CN" dirty="0" smtClean="0"/>
+              <a:t>calorimeter</a:t>
+            </a:r>
+          </a:p>
+          <a:p>
+            <a:pPr lvl="1"/>
+            <a:r>
+              <a:rPr lang="en-US" altLang="zh-CN" dirty="0" smtClean="0"/>
+              <a:t>Approximately </a:t>
+            </a:r>
+            <a:r>
+              <a:rPr lang="en-US" altLang="zh-CN" dirty="0"/>
+              <a:t>72% of the jet energy is </a:t>
+            </a:r>
+            <a:r>
+              <a:rPr lang="en-US" altLang="zh-CN" dirty="0" smtClean="0"/>
+              <a:t>measured</a:t>
+            </a:r>
+          </a:p>
+          <a:p>
+            <a:pPr lvl="1"/>
+            <a:endParaRPr lang="en-US" altLang="zh-CN" dirty="0"/>
+          </a:p>
+          <a:p>
+            <a:pPr lvl="1"/>
+            <a:endParaRPr lang="zh-CN" altLang="en-US" dirty="0"/>
+          </a:p>
+        </p:txBody>
+      </p:sp>
+      <p:pic>
+        <p:nvPicPr>
+          <p:cNvPr id="4" name="图片 3"/>
+          <p:cNvPicPr>
+            <a:picLocks noChangeAspect="1"/>
+          </p:cNvPicPr>
+          <p:nvPr/>
+        </p:nvPicPr>
+        <p:blipFill rotWithShape="1">
+          <a:blip r:embed="rId2"/>
+          <a:srcRect r="829"/>
+          <a:stretch/>
+        </p:blipFill>
+        <p:spPr>
+          <a:xfrm>
+            <a:off x="4790941" y="1100831"/>
+            <a:ext cx="4340180" cy="2160000"/>
+          </a:xfrm>
+          <a:prstGeom prst="rect">
+            <a:avLst/>
+          </a:prstGeom>
+        </p:spPr>
+      </p:pic>
+      <p:sp>
+        <p:nvSpPr>
+          <p:cNvPr id="5" name="内容占位符 2"/>
+          <p:cNvSpPr txBox="1">
+            <a:spLocks/>
+          </p:cNvSpPr>
+          <p:nvPr/>
+        </p:nvSpPr>
+        <p:spPr>
+          <a:xfrm>
+            <a:off x="822959" y="4755251"/>
+            <a:ext cx="7543801" cy="1188407"/>
+          </a:xfrm>
+          <a:prstGeom prst="rect">
+            <a:avLst/>
+          </a:prstGeom>
+        </p:spPr>
+        <p:txBody>
+          <a:bodyPr vert="horz" lIns="0" tIns="45720" rIns="0" bIns="45720" rtlCol="0">
+            <a:normAutofit/>
+          </a:bodyPr>
+          <a:lstStyle>
+            <a:lvl1pPr marL="91440" indent="-91440" algn="l" defTabSz="914400" rtl="0" eaLnBrk="1" latinLnBrk="0" hangingPunct="1">
+              <a:lnSpc>
+                <a:spcPct val="90000"/>
+              </a:lnSpc>
+              <a:spcBef>
+                <a:spcPts val="1200"/>
+              </a:spcBef>
+              <a:spcAft>
+                <a:spcPts val="200"/>
+              </a:spcAft>
+              <a:buClr>
+                <a:schemeClr val="tx1"/>
+              </a:buClr>
+              <a:buSzPct val="100000"/>
+              <a:buFont typeface="Wingdings" panose="05000000000000000000" pitchFamily="2" charset="2"/>
+              <a:buChar char="Ø"/>
+              <a:defRPr sz="2800" kern="1200">
+                <a:solidFill>
+                  <a:schemeClr val="tx1">
+                    <a:lumMod val="75000"/>
+                    <a:lumOff val="25000"/>
+                  </a:schemeClr>
+                </a:solidFill>
+                <a:latin typeface="+mn-lt"/>
+                <a:ea typeface="+mn-ea"/>
+                <a:cs typeface="+mn-cs"/>
+              </a:defRPr>
+            </a:lvl1pPr>
+            <a:lvl2pPr marL="384048" indent="-182880" algn="l" defTabSz="914400" rtl="0" eaLnBrk="1" latinLnBrk="0" hangingPunct="1">
+              <a:lnSpc>
+                <a:spcPct val="90000"/>
+              </a:lnSpc>
+              <a:spcBef>
+                <a:spcPts val="200"/>
+              </a:spcBef>
+              <a:spcAft>
+                <a:spcPts val="400"/>
+              </a:spcAft>
+              <a:buClr>
+                <a:schemeClr val="tx1"/>
+              </a:buClr>
+              <a:buFont typeface="Calibri" pitchFamily="34" charset="0"/>
+              <a:buChar char="◦"/>
+              <a:defRPr sz="2400" kern="1200">
+                <a:solidFill>
+                  <a:schemeClr val="tx1">
+                    <a:lumMod val="75000"/>
+                    <a:lumOff val="25000"/>
+                  </a:schemeClr>
+                </a:solidFill>
+                <a:latin typeface="+mn-lt"/>
+                <a:ea typeface="+mn-ea"/>
+                <a:cs typeface="+mn-cs"/>
+              </a:defRPr>
+            </a:lvl2pPr>
+            <a:lvl3pPr marL="566928" indent="-182880" algn="l" defTabSz="914400" rtl="0" eaLnBrk="1" latinLnBrk="0" hangingPunct="1">
+              <a:lnSpc>
+                <a:spcPct val="90000"/>
+              </a:lnSpc>
+              <a:spcBef>
+                <a:spcPts val="200"/>
+              </a:spcBef>
+              <a:spcAft>
+                <a:spcPts val="400"/>
+              </a:spcAft>
+              <a:buClr>
+                <a:schemeClr val="tx1"/>
+              </a:buClr>
+              <a:buFont typeface="Calibri" pitchFamily="34" charset="0"/>
+              <a:buChar char="◦"/>
+              <a:defRPr sz="1800" kern="1200">
+                <a:solidFill>
+                  <a:schemeClr val="tx1">
+                    <a:lumMod val="75000"/>
+                    <a:lumOff val="25000"/>
+                  </a:schemeClr>
+                </a:solidFill>
+                <a:latin typeface="+mn-lt"/>
+                <a:ea typeface="+mn-ea"/>
+                <a:cs typeface="+mn-cs"/>
+              </a:defRPr>
+            </a:lvl3pPr>
+            <a:lvl4pPr marL="749808" indent="-182880" algn="l" defTabSz="914400" rtl="0" eaLnBrk="1" latinLnBrk="0" hangingPunct="1">
+              <a:lnSpc>
+                <a:spcPct val="90000"/>
+              </a:lnSpc>
+              <a:spcBef>
+                <a:spcPts val="200"/>
+              </a:spcBef>
+              <a:spcAft>
+                <a:spcPts val="400"/>
+              </a:spcAft>
+              <a:buClr>
+                <a:schemeClr val="tx1"/>
+              </a:buClr>
+              <a:buFont typeface="Calibri" pitchFamily="34" charset="0"/>
+              <a:buChar char="◦"/>
+              <a:defRPr sz="1800" kern="1200">
+                <a:solidFill>
+                  <a:schemeClr val="tx1">
+                    <a:lumMod val="75000"/>
+                    <a:lumOff val="25000"/>
+                  </a:schemeClr>
+                </a:solidFill>
+                <a:latin typeface="+mn-lt"/>
+                <a:ea typeface="+mn-ea"/>
+                <a:cs typeface="+mn-cs"/>
+              </a:defRPr>
+            </a:lvl4pPr>
+            <a:lvl5pPr marL="932688" indent="-182880" algn="l" defTabSz="914400" rtl="0" eaLnBrk="1" latinLnBrk="0" hangingPunct="1">
+              <a:lnSpc>
+                <a:spcPct val="90000"/>
+              </a:lnSpc>
+              <a:spcBef>
+                <a:spcPts val="200"/>
+              </a:spcBef>
+              <a:spcAft>
+                <a:spcPts val="400"/>
+              </a:spcAft>
+              <a:buClr>
+                <a:schemeClr val="tx1"/>
+              </a:buClr>
+              <a:buFont typeface="Calibri" pitchFamily="34" charset="0"/>
+              <a:buChar char="◦"/>
+              <a:defRPr sz="1800" kern="1200">
+                <a:solidFill>
+                  <a:schemeClr val="tx1">
+                    <a:lumMod val="75000"/>
+                    <a:lumOff val="25000"/>
+                  </a:schemeClr>
+                </a:solidFill>
+                <a:latin typeface="+mn-lt"/>
+                <a:ea typeface="+mn-ea"/>
+                <a:cs typeface="+mn-cs"/>
+              </a:defRPr>
+            </a:lvl5pPr>
+            <a:lvl6pPr marL="1100000" indent="-228600" algn="l" defTabSz="914400" rtl="0" eaLnBrk="1" latinLnBrk="0" hangingPunct="1">
+              <a:lnSpc>
+                <a:spcPct val="90000"/>
+              </a:lnSpc>
+              <a:spcBef>
+                <a:spcPts val="200"/>
+              </a:spcBef>
+              <a:spcAft>
+                <a:spcPts val="400"/>
+              </a:spcAft>
+              <a:buClr>
+                <a:schemeClr val="accent1"/>
+              </a:buClr>
+              <a:buFont typeface="Calibri" pitchFamily="34" charset="0"/>
+              <a:buChar char="◦"/>
+              <a:defRPr sz="1400" kern="1200">
+                <a:solidFill>
+                  <a:schemeClr val="tx1">
+                    <a:lumMod val="75000"/>
+                    <a:lumOff val="25000"/>
+                  </a:schemeClr>
+                </a:solidFill>
+                <a:latin typeface="+mn-lt"/>
+                <a:ea typeface="+mn-ea"/>
+                <a:cs typeface="+mn-cs"/>
+              </a:defRPr>
+            </a:lvl6pPr>
+            <a:lvl7pPr marL="1300000" indent="-228600" algn="l" defTabSz="914400" rtl="0" eaLnBrk="1" latinLnBrk="0" hangingPunct="1">
+              <a:lnSpc>
+                <a:spcPct val="90000"/>
+              </a:lnSpc>
+              <a:spcBef>
+                <a:spcPts val="200"/>
+              </a:spcBef>
+              <a:spcAft>
+                <a:spcPts val="400"/>
+              </a:spcAft>
+              <a:buClr>
+                <a:schemeClr val="accent1"/>
+              </a:buClr>
+              <a:buFont typeface="Calibri" pitchFamily="34" charset="0"/>
+              <a:buChar char="◦"/>
+              <a:defRPr sz="1400" kern="1200">
+                <a:solidFill>
+                  <a:schemeClr val="tx1">
+                    <a:lumMod val="75000"/>
+                    <a:lumOff val="25000"/>
+                  </a:schemeClr>
+                </a:solidFill>
+                <a:latin typeface="+mn-lt"/>
+                <a:ea typeface="+mn-ea"/>
+                <a:cs typeface="+mn-cs"/>
+              </a:defRPr>
+            </a:lvl7pPr>
+            <a:lvl8pPr marL="1500000" indent="-228600" algn="l" defTabSz="914400" rtl="0" eaLnBrk="1" latinLnBrk="0" hangingPunct="1">
+              <a:lnSpc>
+                <a:spcPct val="90000"/>
+              </a:lnSpc>
+              <a:spcBef>
+                <a:spcPts val="200"/>
+              </a:spcBef>
+              <a:spcAft>
+                <a:spcPts val="400"/>
+              </a:spcAft>
+              <a:buClr>
+                <a:schemeClr val="accent1"/>
+              </a:buClr>
+              <a:buFont typeface="Calibri" pitchFamily="34" charset="0"/>
+              <a:buChar char="◦"/>
+              <a:defRPr sz="1400" kern="1200">
+                <a:solidFill>
+                  <a:schemeClr val="tx1">
+                    <a:lumMod val="75000"/>
+                    <a:lumOff val="25000"/>
+                  </a:schemeClr>
+                </a:solidFill>
+                <a:latin typeface="+mn-lt"/>
+                <a:ea typeface="+mn-ea"/>
+                <a:cs typeface="+mn-cs"/>
+              </a:defRPr>
+            </a:lvl8pPr>
+            <a:lvl9pPr marL="1700000" indent="-228600" algn="l" defTabSz="914400" rtl="0" eaLnBrk="1" latinLnBrk="0" hangingPunct="1">
+              <a:lnSpc>
+                <a:spcPct val="90000"/>
+              </a:lnSpc>
+              <a:spcBef>
+                <a:spcPts val="200"/>
+              </a:spcBef>
+              <a:spcAft>
+                <a:spcPts val="400"/>
+              </a:spcAft>
+              <a:buClr>
+                <a:schemeClr val="accent1"/>
+              </a:buClr>
+              <a:buFont typeface="Calibri" pitchFamily="34" charset="0"/>
+              <a:buChar char="◦"/>
+              <a:defRPr sz="1400" kern="1200">
+                <a:solidFill>
+                  <a:schemeClr val="tx1">
+                    <a:lumMod val="75000"/>
+                    <a:lumOff val="25000"/>
+                  </a:schemeClr>
+                </a:solidFill>
+                <a:latin typeface="+mn-lt"/>
+                <a:ea typeface="+mn-ea"/>
+                <a:cs typeface="+mn-cs"/>
+              </a:defRPr>
+            </a:lvl9pPr>
+          </a:lstStyle>
+          <a:p>
+            <a:r>
+              <a:rPr lang="en-US" altLang="zh-CN" dirty="0"/>
+              <a:t>Both ECAL and HCAL are high granularity</a:t>
+            </a:r>
+            <a:endParaRPr lang="en-US" altLang="zh-CN" dirty="0" smtClean="0"/>
+          </a:p>
+          <a:p>
+            <a:pPr lvl="1"/>
+            <a:endParaRPr lang="zh-CN" altLang="en-US" dirty="0"/>
+          </a:p>
+        </p:txBody>
+      </p:sp>
+    </p:spTree>
+    <p:extLst>
+      <p:ext uri="{BB962C8B-B14F-4D97-AF65-F5344CB8AC3E}">
+        <p14:creationId xmlns:p14="http://schemas.microsoft.com/office/powerpoint/2010/main" val="841742971"/>
       </p:ext>
     </p:extLst>
   </p:cSld>

--- a/Slides/DHCAL_ReadOutElectronics.pptx
+++ b/Slides/DHCAL_ReadOutElectronics.pptx
@@ -10,6 +10,12 @@
     <p:sldId id="259" r:id="rId4"/>
     <p:sldId id="258" r:id="rId5"/>
     <p:sldId id="260" r:id="rId6"/>
+    <p:sldId id="261" r:id="rId7"/>
+    <p:sldId id="262" r:id="rId8"/>
+    <p:sldId id="265" r:id="rId9"/>
+    <p:sldId id="263" r:id="rId10"/>
+    <p:sldId id="264" r:id="rId11"/>
+    <p:sldId id="266" r:id="rId12"/>
   </p:sldIdLst>
   <p:sldSz cx="9144000" cy="6858000" type="screen4x3"/>
   <p:notesSz cx="6858000" cy="9144000"/>
@@ -3918,6 +3924,448 @@
 </p:sld>
 </file>
 
+<file path=ppt/slides/slide10.xml><?xml version="1.0" encoding="utf-8"?>
+<p:sld xmlns:a="http://schemas.openxmlformats.org/drawingml/2006/main" xmlns:r="http://schemas.openxmlformats.org/officeDocument/2006/relationships" xmlns:p="http://schemas.openxmlformats.org/presentationml/2006/main">
+  <p:cSld>
+    <p:spTree>
+      <p:nvGrpSpPr>
+        <p:cNvPr id="1" name=""/>
+        <p:cNvGrpSpPr/>
+        <p:nvPr/>
+      </p:nvGrpSpPr>
+      <p:grpSpPr>
+        <a:xfrm>
+          <a:off x="0" y="0"/>
+          <a:ext cx="0" cy="0"/>
+          <a:chOff x="0" y="0"/>
+          <a:chExt cx="0" cy="0"/>
+        </a:xfrm>
+      </p:grpSpPr>
+      <p:sp>
+        <p:nvSpPr>
+          <p:cNvPr id="2" name="标题 1"/>
+          <p:cNvSpPr>
+            <a:spLocks noGrp="1"/>
+          </p:cNvSpPr>
+          <p:nvPr>
+            <p:ph type="title"/>
+          </p:nvPr>
+        </p:nvSpPr>
+        <p:spPr/>
+        <p:txBody>
+          <a:bodyPr>
+            <a:normAutofit/>
+          </a:bodyPr>
+          <a:lstStyle/>
+          <a:p>
+            <a:r>
+              <a:rPr lang="en-US" altLang="zh-CN" dirty="0"/>
+              <a:t>SDHCAL Readout </a:t>
+            </a:r>
+            <a:r>
+              <a:rPr lang="en-US" altLang="zh-CN" dirty="0" smtClean="0"/>
+              <a:t>ASIC</a:t>
+            </a:r>
+            <a:endParaRPr lang="zh-CN" altLang="en-US" dirty="0"/>
+          </a:p>
+        </p:txBody>
+      </p:sp>
+      <p:sp>
+        <p:nvSpPr>
+          <p:cNvPr id="3" name="内容占位符 2"/>
+          <p:cNvSpPr>
+            <a:spLocks noGrp="1"/>
+          </p:cNvSpPr>
+          <p:nvPr>
+            <p:ph idx="1"/>
+          </p:nvPr>
+        </p:nvSpPr>
+        <p:spPr/>
+        <p:txBody>
+          <a:bodyPr/>
+          <a:lstStyle/>
+          <a:p>
+            <a:r>
+              <a:rPr lang="en-US" altLang="zh-CN" dirty="0" err="1" smtClean="0"/>
+              <a:t>Hardroc</a:t>
+            </a:r>
+            <a:endParaRPr lang="en-US" altLang="zh-CN" dirty="0" smtClean="0"/>
+          </a:p>
+          <a:p>
+            <a:pPr lvl="1"/>
+            <a:r>
+              <a:rPr lang="en-US" altLang="zh-CN" dirty="0" err="1" smtClean="0">
+                <a:solidFill>
+                  <a:srgbClr val="FF0000"/>
+                </a:solidFill>
+              </a:rPr>
+              <a:t>HA</a:t>
+            </a:r>
+            <a:r>
+              <a:rPr lang="en-US" altLang="zh-CN" dirty="0" err="1" smtClean="0"/>
+              <a:t>dronic</a:t>
+            </a:r>
+            <a:r>
+              <a:rPr lang="en-US" altLang="zh-CN" dirty="0" smtClean="0"/>
+              <a:t> </a:t>
+            </a:r>
+            <a:r>
+              <a:rPr lang="en-US" altLang="zh-CN" dirty="0" err="1" smtClean="0">
+                <a:solidFill>
+                  <a:srgbClr val="FF0000"/>
+                </a:solidFill>
+              </a:rPr>
+              <a:t>R</a:t>
+            </a:r>
+            <a:r>
+              <a:rPr lang="en-US" altLang="zh-CN" dirty="0" err="1" smtClean="0"/>
+              <a:t>pc</a:t>
+            </a:r>
+            <a:r>
+              <a:rPr lang="en-US" altLang="zh-CN" dirty="0" smtClean="0"/>
+              <a:t> </a:t>
+            </a:r>
+            <a:r>
+              <a:rPr lang="en-US" altLang="zh-CN" dirty="0" smtClean="0">
+                <a:solidFill>
+                  <a:srgbClr val="FF0000"/>
+                </a:solidFill>
+              </a:rPr>
+              <a:t>D</a:t>
+            </a:r>
+            <a:r>
+              <a:rPr lang="en-US" altLang="zh-CN" dirty="0" smtClean="0"/>
+              <a:t>etector </a:t>
+            </a:r>
+            <a:r>
+              <a:rPr lang="en-US" altLang="zh-CN" dirty="0" err="1" smtClean="0">
+                <a:solidFill>
+                  <a:srgbClr val="FF0000"/>
+                </a:solidFill>
+              </a:rPr>
+              <a:t>R</a:t>
+            </a:r>
+            <a:r>
+              <a:rPr lang="en-US" altLang="zh-CN" dirty="0" err="1" smtClean="0"/>
+              <a:t>ead</a:t>
+            </a:r>
+            <a:r>
+              <a:rPr lang="en-US" altLang="zh-CN" dirty="0" err="1" smtClean="0">
+                <a:solidFill>
+                  <a:srgbClr val="FF0000"/>
+                </a:solidFill>
+              </a:rPr>
+              <a:t>O</a:t>
+            </a:r>
+            <a:r>
+              <a:rPr lang="en-US" altLang="zh-CN" dirty="0" err="1" smtClean="0"/>
+              <a:t>ut</a:t>
+            </a:r>
+            <a:r>
+              <a:rPr lang="en-US" altLang="zh-CN" dirty="0" smtClean="0"/>
+              <a:t> </a:t>
+            </a:r>
+            <a:r>
+              <a:rPr lang="en-US" altLang="zh-CN" dirty="0" smtClean="0">
+                <a:solidFill>
+                  <a:srgbClr val="FF0000"/>
+                </a:solidFill>
+              </a:rPr>
+              <a:t>C</a:t>
+            </a:r>
+            <a:r>
+              <a:rPr lang="en-US" altLang="zh-CN" dirty="0" smtClean="0"/>
+              <a:t>hip</a:t>
+            </a:r>
+          </a:p>
+          <a:p>
+            <a:pPr lvl="1"/>
+            <a:r>
+              <a:rPr lang="en-US" altLang="zh-CN" dirty="0" smtClean="0"/>
+              <a:t>Dynamic range: 10fC ~ 10pC</a:t>
+            </a:r>
+          </a:p>
+          <a:p>
+            <a:pPr lvl="1"/>
+            <a:r>
+              <a:rPr lang="en-US" altLang="zh-CN" dirty="0" smtClean="0"/>
+              <a:t>3 DAC </a:t>
+            </a:r>
+            <a:r>
+              <a:rPr lang="en-US" altLang="zh-CN" smtClean="0"/>
+              <a:t>for threshold</a:t>
+            </a:r>
+            <a:endParaRPr lang="en-US" altLang="zh-CN" dirty="0" smtClean="0"/>
+          </a:p>
+          <a:p>
+            <a:r>
+              <a:rPr lang="en-US" altLang="zh-CN" dirty="0" err="1" smtClean="0"/>
+              <a:t>Microroc</a:t>
+            </a:r>
+            <a:endParaRPr lang="en-US" altLang="zh-CN" dirty="0" smtClean="0"/>
+          </a:p>
+        </p:txBody>
+      </p:sp>
+    </p:spTree>
+    <p:extLst>
+      <p:ext uri="{BB962C8B-B14F-4D97-AF65-F5344CB8AC3E}">
+        <p14:creationId xmlns:p14="http://schemas.microsoft.com/office/powerpoint/2010/main" val="3410523509"/>
+      </p:ext>
+    </p:extLst>
+  </p:cSld>
+  <p:clrMapOvr>
+    <a:masterClrMapping/>
+  </p:clrMapOvr>
+</p:sld>
+</file>
+
+<file path=ppt/slides/slide11.xml><?xml version="1.0" encoding="utf-8"?>
+<p:sld xmlns:a="http://schemas.openxmlformats.org/drawingml/2006/main" xmlns:r="http://schemas.openxmlformats.org/officeDocument/2006/relationships" xmlns:p="http://schemas.openxmlformats.org/presentationml/2006/main">
+  <p:cSld>
+    <p:spTree>
+      <p:nvGrpSpPr>
+        <p:cNvPr id="1" name=""/>
+        <p:cNvGrpSpPr/>
+        <p:nvPr/>
+      </p:nvGrpSpPr>
+      <p:grpSpPr>
+        <a:xfrm>
+          <a:off x="0" y="0"/>
+          <a:ext cx="0" cy="0"/>
+          <a:chOff x="0" y="0"/>
+          <a:chExt cx="0" cy="0"/>
+        </a:xfrm>
+      </p:grpSpPr>
+      <p:sp>
+        <p:nvSpPr>
+          <p:cNvPr id="2" name="标题 1"/>
+          <p:cNvSpPr>
+            <a:spLocks noGrp="1"/>
+          </p:cNvSpPr>
+          <p:nvPr>
+            <p:ph type="title"/>
+          </p:nvPr>
+        </p:nvSpPr>
+        <p:spPr/>
+        <p:txBody>
+          <a:bodyPr/>
+          <a:lstStyle/>
+          <a:p>
+            <a:r>
+              <a:rPr lang="en-US" altLang="zh-CN" dirty="0" smtClean="0"/>
+              <a:t>Content</a:t>
+            </a:r>
+            <a:endParaRPr lang="zh-CN" altLang="en-US" dirty="0"/>
+          </a:p>
+        </p:txBody>
+      </p:sp>
+      <p:sp>
+        <p:nvSpPr>
+          <p:cNvPr id="3" name="内容占位符 2"/>
+          <p:cNvSpPr>
+            <a:spLocks noGrp="1"/>
+          </p:cNvSpPr>
+          <p:nvPr>
+            <p:ph idx="1"/>
+          </p:nvPr>
+        </p:nvSpPr>
+        <p:spPr/>
+        <p:txBody>
+          <a:bodyPr>
+            <a:normAutofit fontScale="92500" lnSpcReduction="20000"/>
+          </a:bodyPr>
+          <a:lstStyle/>
+          <a:p>
+            <a:r>
+              <a:rPr lang="en-US" altLang="zh-CN" dirty="0" smtClean="0">
+                <a:solidFill>
+                  <a:schemeClr val="bg1">
+                    <a:lumMod val="85000"/>
+                  </a:schemeClr>
+                </a:solidFill>
+              </a:rPr>
+              <a:t>Background</a:t>
+            </a:r>
+          </a:p>
+          <a:p>
+            <a:pPr lvl="1"/>
+            <a:r>
+              <a:rPr lang="en-US" altLang="zh-CN" dirty="0" smtClean="0">
+                <a:solidFill>
+                  <a:schemeClr val="bg1">
+                    <a:lumMod val="85000"/>
+                  </a:schemeClr>
+                </a:solidFill>
+              </a:rPr>
+              <a:t>CEPC </a:t>
+            </a:r>
+            <a:r>
+              <a:rPr lang="en-US" altLang="zh-CN" dirty="0" smtClean="0">
+                <a:solidFill>
+                  <a:schemeClr val="bg1">
+                    <a:lumMod val="85000"/>
+                  </a:schemeClr>
+                </a:solidFill>
+              </a:rPr>
+              <a:t>Calorimeters</a:t>
+            </a:r>
+          </a:p>
+          <a:p>
+            <a:pPr lvl="1"/>
+            <a:r>
+              <a:rPr lang="en-US" altLang="zh-CN" dirty="0" smtClean="0">
+                <a:solidFill>
+                  <a:schemeClr val="bg1">
+                    <a:lumMod val="85000"/>
+                  </a:schemeClr>
+                </a:solidFill>
+              </a:rPr>
+              <a:t>CEPC HCAL</a:t>
+            </a:r>
+            <a:endParaRPr lang="en-US" altLang="zh-CN" dirty="0" smtClean="0">
+              <a:solidFill>
+                <a:schemeClr val="bg1">
+                  <a:lumMod val="85000"/>
+                </a:schemeClr>
+              </a:solidFill>
+            </a:endParaRPr>
+          </a:p>
+          <a:p>
+            <a:pPr lvl="1"/>
+            <a:r>
+              <a:rPr lang="en-US" altLang="zh-CN" dirty="0" smtClean="0">
+                <a:solidFill>
+                  <a:schemeClr val="bg1">
+                    <a:lumMod val="85000"/>
+                  </a:schemeClr>
+                </a:solidFill>
+              </a:rPr>
+              <a:t>USTC SDHCAL</a:t>
+            </a:r>
+            <a:endParaRPr lang="en-US" altLang="zh-CN" dirty="0">
+              <a:solidFill>
+                <a:schemeClr val="bg1">
+                  <a:lumMod val="85000"/>
+                </a:schemeClr>
+              </a:solidFill>
+            </a:endParaRPr>
+          </a:p>
+          <a:p>
+            <a:pPr lvl="1"/>
+            <a:r>
+              <a:rPr lang="en-US" altLang="zh-CN" dirty="0">
+                <a:solidFill>
+                  <a:schemeClr val="bg1">
+                    <a:lumMod val="85000"/>
+                  </a:schemeClr>
+                </a:solidFill>
+              </a:rPr>
+              <a:t>SDHCAL Readout ASIC</a:t>
+            </a:r>
+          </a:p>
+          <a:p>
+            <a:r>
+              <a:rPr lang="en-US" altLang="zh-CN" dirty="0" smtClean="0"/>
+              <a:t>Design </a:t>
+            </a:r>
+            <a:r>
+              <a:rPr lang="en-US" altLang="zh-CN" dirty="0" smtClean="0"/>
+              <a:t>of the Test-Board</a:t>
+            </a:r>
+          </a:p>
+          <a:p>
+            <a:pPr lvl="1"/>
+            <a:r>
+              <a:rPr lang="en-US" altLang="zh-CN" dirty="0" smtClean="0"/>
+              <a:t>Introduction of </a:t>
+            </a:r>
+            <a:r>
+              <a:rPr lang="en-US" altLang="zh-CN" dirty="0" err="1" smtClean="0"/>
+              <a:t>Microroc</a:t>
+            </a:r>
+            <a:endParaRPr lang="en-US" altLang="zh-CN" dirty="0" smtClean="0"/>
+          </a:p>
+          <a:p>
+            <a:pPr lvl="1"/>
+            <a:r>
+              <a:rPr lang="en-US" altLang="zh-CN" dirty="0" smtClean="0"/>
+              <a:t>Design of the Stage1 Test-Board</a:t>
+            </a:r>
+          </a:p>
+          <a:p>
+            <a:pPr lvl="1"/>
+            <a:r>
+              <a:rPr lang="en-US" altLang="zh-CN" dirty="0" smtClean="0"/>
+              <a:t>Progress</a:t>
+            </a:r>
+          </a:p>
+          <a:p>
+            <a:pPr lvl="1"/>
+            <a:r>
+              <a:rPr lang="en-US" altLang="zh-CN" dirty="0" smtClean="0"/>
+              <a:t>Problem</a:t>
+            </a:r>
+          </a:p>
+          <a:p>
+            <a:r>
+              <a:rPr lang="en-US" altLang="zh-CN" dirty="0" smtClean="0">
+                <a:solidFill>
+                  <a:schemeClr val="bg1">
+                    <a:lumMod val="85000"/>
+                  </a:schemeClr>
+                </a:solidFill>
+              </a:rPr>
+              <a:t>Future Work</a:t>
+            </a:r>
+          </a:p>
+          <a:p>
+            <a:pPr lvl="1"/>
+            <a:r>
+              <a:rPr lang="en-US" altLang="zh-CN" dirty="0" smtClean="0">
+                <a:solidFill>
+                  <a:schemeClr val="bg1">
+                    <a:lumMod val="85000"/>
+                  </a:schemeClr>
+                </a:solidFill>
+              </a:rPr>
+              <a:t>Design a Read-out Array</a:t>
+            </a:r>
+          </a:p>
+          <a:p>
+            <a:pPr lvl="1"/>
+            <a:r>
+              <a:rPr lang="en-US" altLang="zh-CN" dirty="0" smtClean="0">
+                <a:solidFill>
+                  <a:schemeClr val="bg1">
+                    <a:lumMod val="85000"/>
+                  </a:schemeClr>
+                </a:solidFill>
+              </a:rPr>
+              <a:t>Prototype Machine</a:t>
+            </a:r>
+            <a:endParaRPr lang="zh-CN" altLang="en-US" dirty="0">
+              <a:solidFill>
+                <a:schemeClr val="bg1">
+                  <a:lumMod val="85000"/>
+                </a:schemeClr>
+              </a:solidFill>
+            </a:endParaRPr>
+          </a:p>
+        </p:txBody>
+      </p:sp>
+    </p:spTree>
+    <p:extLst>
+      <p:ext uri="{BB962C8B-B14F-4D97-AF65-F5344CB8AC3E}">
+        <p14:creationId xmlns:p14="http://schemas.microsoft.com/office/powerpoint/2010/main" val="1774096194"/>
+      </p:ext>
+    </p:extLst>
+  </p:cSld>
+  <p:clrMapOvr>
+    <a:masterClrMapping/>
+  </p:clrMapOvr>
+</p:sld>
+</file>
+
 <file path=ppt/slides/slide2.xml><?xml version="1.0" encoding="utf-8"?>
 <p:sld xmlns:a="http://schemas.openxmlformats.org/drawingml/2006/main" xmlns:r="http://schemas.openxmlformats.org/officeDocument/2006/relationships" xmlns:p="http://schemas.openxmlformats.org/presentationml/2006/main">
   <p:cSld>
@@ -3971,7 +4419,7 @@
         <p:spPr/>
         <p:txBody>
           <a:bodyPr>
-            <a:normAutofit fontScale="92500" lnSpcReduction="10000"/>
+            <a:normAutofit fontScale="92500" lnSpcReduction="20000"/>
           </a:bodyPr>
           <a:lstStyle/>
           <a:p>
@@ -3984,35 +4432,57 @@
             <a:pPr lvl="1"/>
             <a:r>
               <a:rPr lang="en-US" altLang="zh-CN" dirty="0" smtClean="0"/>
-              <a:t>CEPC Calorimeters</a:t>
+              <a:t>CEPC </a:t>
+            </a:r>
+            <a:r>
+              <a:rPr lang="en-US" altLang="zh-CN" dirty="0" smtClean="0"/>
+              <a:t>Calorimeters</a:t>
             </a:r>
           </a:p>
           <a:p>
             <a:pPr lvl="1"/>
             <a:r>
               <a:rPr lang="en-US" altLang="zh-CN" dirty="0" smtClean="0"/>
-              <a:t>Requirement of Readout Electronics</a:t>
-            </a:r>
+              <a:t>CEPC HCAL</a:t>
+            </a:r>
+            <a:endParaRPr lang="en-US" altLang="zh-CN" dirty="0" smtClean="0"/>
           </a:p>
           <a:p>
             <a:pPr lvl="1"/>
             <a:r>
               <a:rPr lang="en-US" altLang="zh-CN" dirty="0" smtClean="0"/>
-              <a:t>Frame of the Readout Electronics</a:t>
+              <a:t>USTC SDHCAL</a:t>
+            </a:r>
+            <a:endParaRPr lang="en-US" altLang="zh-CN" dirty="0"/>
+          </a:p>
+          <a:p>
+            <a:pPr lvl="1"/>
+            <a:r>
+              <a:rPr lang="en-US" altLang="zh-CN" dirty="0"/>
+              <a:t>SDHCAL Readout ASIC</a:t>
             </a:r>
           </a:p>
           <a:p>
             <a:r>
               <a:rPr lang="en-US" altLang="zh-CN" dirty="0" smtClean="0"/>
-              <a:t>Design of the Test-Board</a:t>
+              <a:t>Design </a:t>
+            </a:r>
+            <a:r>
+              <a:rPr lang="en-US" altLang="zh-CN" dirty="0" smtClean="0"/>
+              <a:t>of the Test-Board</a:t>
             </a:r>
           </a:p>
           <a:p>
             <a:pPr lvl="1"/>
             <a:r>
               <a:rPr lang="en-US" altLang="zh-CN" dirty="0" smtClean="0"/>
-              <a:t>Introduction of Readout ASIC</a:t>
-            </a:r>
+              <a:t>Introduction of </a:t>
+            </a:r>
+            <a:r>
+              <a:rPr lang="en-US" altLang="zh-CN" dirty="0" err="1" smtClean="0"/>
+              <a:t>Microroc</a:t>
+            </a:r>
+            <a:endParaRPr lang="en-US" altLang="zh-CN" dirty="0" smtClean="0"/>
           </a:p>
           <a:p>
             <a:pPr lvl="1"/>
@@ -4124,46 +4594,42 @@
         <p:spPr/>
         <p:txBody>
           <a:bodyPr>
-            <a:normAutofit fontScale="92500" lnSpcReduction="10000"/>
+            <a:normAutofit fontScale="92500" lnSpcReduction="20000"/>
           </a:bodyPr>
           <a:lstStyle/>
           <a:p>
             <a:r>
+              <a:rPr lang="en-US" altLang="zh-CN" dirty="0"/>
+              <a:t>Background</a:t>
+            </a:r>
+          </a:p>
+          <a:p>
+            <a:pPr lvl="1"/>
+            <a:r>
+              <a:rPr lang="en-US" altLang="zh-CN" dirty="0"/>
+              <a:t>CEPC Calorimeters</a:t>
+            </a:r>
+          </a:p>
+          <a:p>
+            <a:pPr lvl="1"/>
+            <a:r>
+              <a:rPr lang="en-US" altLang="zh-CN" dirty="0"/>
+              <a:t>CEPC HCAL</a:t>
+            </a:r>
+          </a:p>
+          <a:p>
+            <a:pPr lvl="1"/>
+            <a:r>
               <a:rPr lang="en-US" altLang="zh-CN" dirty="0" smtClean="0"/>
-              <a:t>Background</a:t>
-            </a:r>
+              <a:t>USTC SDHCAL</a:t>
+            </a:r>
+            <a:endParaRPr lang="en-US" altLang="zh-CN" dirty="0"/>
           </a:p>
           <a:p>
             <a:pPr lvl="1"/>
             <a:r>
-              <a:rPr lang="en-US" altLang="zh-CN" dirty="0" smtClean="0"/>
-              <a:t>CEPC Calorimeters</a:t>
-            </a:r>
-          </a:p>
-          <a:p>
-            <a:pPr lvl="1"/>
-            <a:r>
-              <a:rPr lang="en-US" altLang="zh-CN" dirty="0" smtClean="0">
-                <a:solidFill>
-                  <a:schemeClr val="bg1">
-                    <a:lumMod val="85000"/>
-                  </a:schemeClr>
-                </a:solidFill>
-              </a:rPr>
-              <a:t>Requirement of Readout Electronics</a:t>
-            </a:r>
-          </a:p>
-          <a:p>
-            <a:pPr lvl="1"/>
-            <a:r>
-              <a:rPr lang="en-US" altLang="zh-CN" dirty="0" smtClean="0">
-                <a:solidFill>
-                  <a:schemeClr val="bg1">
-                    <a:lumMod val="85000"/>
-                  </a:schemeClr>
-                </a:solidFill>
-              </a:rPr>
-              <a:t>Frame of the Readout Electronics</a:t>
+              <a:rPr lang="en-US" altLang="zh-CN" dirty="0"/>
+              <a:t>SDHCAL Readout ASIC</a:t>
             </a:r>
           </a:p>
           <a:p>
@@ -4548,7 +5014,7 @@
         <p:spPr>
           <a:xfrm>
             <a:off x="822960" y="1175395"/>
-            <a:ext cx="3967981" cy="4693699"/>
+            <a:ext cx="7543800" cy="4693699"/>
           </a:xfrm>
         </p:spPr>
         <p:txBody>
@@ -4626,6 +5092,15 @@
               <a:rPr lang="en-US" altLang="zh-CN" dirty="0" smtClean="0"/>
               <a:t>measured</a:t>
             </a:r>
+          </a:p>
+          <a:p>
+            <a:r>
+              <a:rPr lang="en-US" altLang="zh-CN" dirty="0"/>
+              <a:t>Both ECAL and HCAL are high granularity</a:t>
+            </a:r>
+          </a:p>
+          <a:p>
+            <a:endParaRPr lang="en-US" altLang="zh-CN" dirty="0" smtClean="0"/>
           </a:p>
           <a:p>
             <a:pPr lvl="1"/>
@@ -4652,7 +5127,7 @@
         </p:blipFill>
         <p:spPr>
           <a:xfrm>
-            <a:off x="4790941" y="1100831"/>
+            <a:off x="2424770" y="4005396"/>
             <a:ext cx="4340180" cy="2160000"/>
           </a:xfrm>
           <a:prstGeom prst="rect">
@@ -4660,286 +5135,6 @@
           </a:prstGeom>
         </p:spPr>
       </p:pic>
-      <p:sp>
-        <p:nvSpPr>
-          <p:cNvPr id="5" name="内容占位符 2"/>
-          <p:cNvSpPr txBox="1">
-            <a:spLocks/>
-          </p:cNvSpPr>
-          <p:nvPr/>
-        </p:nvSpPr>
-        <p:spPr>
-          <a:xfrm>
-            <a:off x="822959" y="4755251"/>
-            <a:ext cx="7543801" cy="1188407"/>
-          </a:xfrm>
-          <a:prstGeom prst="rect">
-            <a:avLst/>
-          </a:prstGeom>
-        </p:spPr>
-        <p:txBody>
-          <a:bodyPr vert="horz" lIns="0" tIns="45720" rIns="0" bIns="45720" rtlCol="0">
-            <a:normAutofit/>
-          </a:bodyPr>
-          <a:lstStyle>
-            <a:lvl1pPr marL="91440" indent="-91440" algn="l" defTabSz="914400" rtl="0" eaLnBrk="1" latinLnBrk="0" hangingPunct="1">
-              <a:lnSpc>
-                <a:spcPct val="90000"/>
-              </a:lnSpc>
-              <a:spcBef>
-                <a:spcPts val="1200"/>
-              </a:spcBef>
-              <a:spcAft>
-                <a:spcPts val="200"/>
-              </a:spcAft>
-              <a:buClr>
-                <a:schemeClr val="tx1"/>
-              </a:buClr>
-              <a:buSzPct val="100000"/>
-              <a:buFont typeface="Wingdings" panose="05000000000000000000" pitchFamily="2" charset="2"/>
-              <a:buChar char="Ø"/>
-              <a:defRPr sz="2800" kern="1200">
-                <a:solidFill>
-                  <a:schemeClr val="tx1">
-                    <a:lumMod val="75000"/>
-                    <a:lumOff val="25000"/>
-                  </a:schemeClr>
-                </a:solidFill>
-                <a:latin typeface="+mn-lt"/>
-                <a:ea typeface="+mn-ea"/>
-                <a:cs typeface="+mn-cs"/>
-              </a:defRPr>
-            </a:lvl1pPr>
-            <a:lvl2pPr marL="384048" indent="-182880" algn="l" defTabSz="914400" rtl="0" eaLnBrk="1" latinLnBrk="0" hangingPunct="1">
-              <a:lnSpc>
-                <a:spcPct val="90000"/>
-              </a:lnSpc>
-              <a:spcBef>
-                <a:spcPts val="200"/>
-              </a:spcBef>
-              <a:spcAft>
-                <a:spcPts val="400"/>
-              </a:spcAft>
-              <a:buClr>
-                <a:schemeClr val="tx1"/>
-              </a:buClr>
-              <a:buFont typeface="Calibri" pitchFamily="34" charset="0"/>
-              <a:buChar char="◦"/>
-              <a:defRPr sz="2400" kern="1200">
-                <a:solidFill>
-                  <a:schemeClr val="tx1">
-                    <a:lumMod val="75000"/>
-                    <a:lumOff val="25000"/>
-                  </a:schemeClr>
-                </a:solidFill>
-                <a:latin typeface="+mn-lt"/>
-                <a:ea typeface="+mn-ea"/>
-                <a:cs typeface="+mn-cs"/>
-              </a:defRPr>
-            </a:lvl2pPr>
-            <a:lvl3pPr marL="566928" indent="-182880" algn="l" defTabSz="914400" rtl="0" eaLnBrk="1" latinLnBrk="0" hangingPunct="1">
-              <a:lnSpc>
-                <a:spcPct val="90000"/>
-              </a:lnSpc>
-              <a:spcBef>
-                <a:spcPts val="200"/>
-              </a:spcBef>
-              <a:spcAft>
-                <a:spcPts val="400"/>
-              </a:spcAft>
-              <a:buClr>
-                <a:schemeClr val="tx1"/>
-              </a:buClr>
-              <a:buFont typeface="Calibri" pitchFamily="34" charset="0"/>
-              <a:buChar char="◦"/>
-              <a:defRPr sz="1800" kern="1200">
-                <a:solidFill>
-                  <a:schemeClr val="tx1">
-                    <a:lumMod val="75000"/>
-                    <a:lumOff val="25000"/>
-                  </a:schemeClr>
-                </a:solidFill>
-                <a:latin typeface="+mn-lt"/>
-                <a:ea typeface="+mn-ea"/>
-                <a:cs typeface="+mn-cs"/>
-              </a:defRPr>
-            </a:lvl3pPr>
-            <a:lvl4pPr marL="749808" indent="-182880" algn="l" defTabSz="914400" rtl="0" eaLnBrk="1" latinLnBrk="0" hangingPunct="1">
-              <a:lnSpc>
-                <a:spcPct val="90000"/>
-              </a:lnSpc>
-              <a:spcBef>
-                <a:spcPts val="200"/>
-              </a:spcBef>
-              <a:spcAft>
-                <a:spcPts val="400"/>
-              </a:spcAft>
-              <a:buClr>
-                <a:schemeClr val="tx1"/>
-              </a:buClr>
-              <a:buFont typeface="Calibri" pitchFamily="34" charset="0"/>
-              <a:buChar char="◦"/>
-              <a:defRPr sz="1800" kern="1200">
-                <a:solidFill>
-                  <a:schemeClr val="tx1">
-                    <a:lumMod val="75000"/>
-                    <a:lumOff val="25000"/>
-                  </a:schemeClr>
-                </a:solidFill>
-                <a:latin typeface="+mn-lt"/>
-                <a:ea typeface="+mn-ea"/>
-                <a:cs typeface="+mn-cs"/>
-              </a:defRPr>
-            </a:lvl4pPr>
-            <a:lvl5pPr marL="932688" indent="-182880" algn="l" defTabSz="914400" rtl="0" eaLnBrk="1" latinLnBrk="0" hangingPunct="1">
-              <a:lnSpc>
-                <a:spcPct val="90000"/>
-              </a:lnSpc>
-              <a:spcBef>
-                <a:spcPts val="200"/>
-              </a:spcBef>
-              <a:spcAft>
-                <a:spcPts val="400"/>
-              </a:spcAft>
-              <a:buClr>
-                <a:schemeClr val="tx1"/>
-              </a:buClr>
-              <a:buFont typeface="Calibri" pitchFamily="34" charset="0"/>
-              <a:buChar char="◦"/>
-              <a:defRPr sz="1800" kern="1200">
-                <a:solidFill>
-                  <a:schemeClr val="tx1">
-                    <a:lumMod val="75000"/>
-                    <a:lumOff val="25000"/>
-                  </a:schemeClr>
-                </a:solidFill>
-                <a:latin typeface="+mn-lt"/>
-                <a:ea typeface="+mn-ea"/>
-                <a:cs typeface="+mn-cs"/>
-              </a:defRPr>
-            </a:lvl5pPr>
-            <a:lvl6pPr marL="1100000" indent="-228600" algn="l" defTabSz="914400" rtl="0" eaLnBrk="1" latinLnBrk="0" hangingPunct="1">
-              <a:lnSpc>
-                <a:spcPct val="90000"/>
-              </a:lnSpc>
-              <a:spcBef>
-                <a:spcPts val="200"/>
-              </a:spcBef>
-              <a:spcAft>
-                <a:spcPts val="400"/>
-              </a:spcAft>
-              <a:buClr>
-                <a:schemeClr val="accent1"/>
-              </a:buClr>
-              <a:buFont typeface="Calibri" pitchFamily="34" charset="0"/>
-              <a:buChar char="◦"/>
-              <a:defRPr sz="1400" kern="1200">
-                <a:solidFill>
-                  <a:schemeClr val="tx1">
-                    <a:lumMod val="75000"/>
-                    <a:lumOff val="25000"/>
-                  </a:schemeClr>
-                </a:solidFill>
-                <a:latin typeface="+mn-lt"/>
-                <a:ea typeface="+mn-ea"/>
-                <a:cs typeface="+mn-cs"/>
-              </a:defRPr>
-            </a:lvl6pPr>
-            <a:lvl7pPr marL="1300000" indent="-228600" algn="l" defTabSz="914400" rtl="0" eaLnBrk="1" latinLnBrk="0" hangingPunct="1">
-              <a:lnSpc>
-                <a:spcPct val="90000"/>
-              </a:lnSpc>
-              <a:spcBef>
-                <a:spcPts val="200"/>
-              </a:spcBef>
-              <a:spcAft>
-                <a:spcPts val="400"/>
-              </a:spcAft>
-              <a:buClr>
-                <a:schemeClr val="accent1"/>
-              </a:buClr>
-              <a:buFont typeface="Calibri" pitchFamily="34" charset="0"/>
-              <a:buChar char="◦"/>
-              <a:defRPr sz="1400" kern="1200">
-                <a:solidFill>
-                  <a:schemeClr val="tx1">
-                    <a:lumMod val="75000"/>
-                    <a:lumOff val="25000"/>
-                  </a:schemeClr>
-                </a:solidFill>
-                <a:latin typeface="+mn-lt"/>
-                <a:ea typeface="+mn-ea"/>
-                <a:cs typeface="+mn-cs"/>
-              </a:defRPr>
-            </a:lvl7pPr>
-            <a:lvl8pPr marL="1500000" indent="-228600" algn="l" defTabSz="914400" rtl="0" eaLnBrk="1" latinLnBrk="0" hangingPunct="1">
-              <a:lnSpc>
-                <a:spcPct val="90000"/>
-              </a:lnSpc>
-              <a:spcBef>
-                <a:spcPts val="200"/>
-              </a:spcBef>
-              <a:spcAft>
-                <a:spcPts val="400"/>
-              </a:spcAft>
-              <a:buClr>
-                <a:schemeClr val="accent1"/>
-              </a:buClr>
-              <a:buFont typeface="Calibri" pitchFamily="34" charset="0"/>
-              <a:buChar char="◦"/>
-              <a:defRPr sz="1400" kern="1200">
-                <a:solidFill>
-                  <a:schemeClr val="tx1">
-                    <a:lumMod val="75000"/>
-                    <a:lumOff val="25000"/>
-                  </a:schemeClr>
-                </a:solidFill>
-                <a:latin typeface="+mn-lt"/>
-                <a:ea typeface="+mn-ea"/>
-                <a:cs typeface="+mn-cs"/>
-              </a:defRPr>
-            </a:lvl8pPr>
-            <a:lvl9pPr marL="1700000" indent="-228600" algn="l" defTabSz="914400" rtl="0" eaLnBrk="1" latinLnBrk="0" hangingPunct="1">
-              <a:lnSpc>
-                <a:spcPct val="90000"/>
-              </a:lnSpc>
-              <a:spcBef>
-                <a:spcPts val="200"/>
-              </a:spcBef>
-              <a:spcAft>
-                <a:spcPts val="400"/>
-              </a:spcAft>
-              <a:buClr>
-                <a:schemeClr val="accent1"/>
-              </a:buClr>
-              <a:buFont typeface="Calibri" pitchFamily="34" charset="0"/>
-              <a:buChar char="◦"/>
-              <a:defRPr sz="1400" kern="1200">
-                <a:solidFill>
-                  <a:schemeClr val="tx1">
-                    <a:lumMod val="75000"/>
-                    <a:lumOff val="25000"/>
-                  </a:schemeClr>
-                </a:solidFill>
-                <a:latin typeface="+mn-lt"/>
-                <a:ea typeface="+mn-ea"/>
-                <a:cs typeface="+mn-cs"/>
-              </a:defRPr>
-            </a:lvl9pPr>
-          </a:lstStyle>
-          <a:p>
-            <a:r>
-              <a:rPr lang="en-US" altLang="zh-CN" dirty="0"/>
-              <a:t>Both ECAL and HCAL are high granularity</a:t>
-            </a:r>
-            <a:endParaRPr lang="en-US" altLang="zh-CN" dirty="0" smtClean="0"/>
-          </a:p>
-          <a:p>
-            <a:pPr lvl="1"/>
-            <a:endParaRPr lang="zh-CN" altLang="en-US" dirty="0"/>
-          </a:p>
-        </p:txBody>
-      </p:sp>
     </p:spTree>
     <p:extLst>
       <p:ext uri="{BB962C8B-B14F-4D97-AF65-F5344CB8AC3E}">
@@ -4950,6 +5145,2616 @@
   <p:clrMapOvr>
     <a:masterClrMapping/>
   </p:clrMapOvr>
+</p:sld>
+</file>
+
+<file path=ppt/slides/slide6.xml><?xml version="1.0" encoding="utf-8"?>
+<p:sld xmlns:a="http://schemas.openxmlformats.org/drawingml/2006/main" xmlns:r="http://schemas.openxmlformats.org/officeDocument/2006/relationships" xmlns:p="http://schemas.openxmlformats.org/presentationml/2006/main">
+  <p:cSld>
+    <p:spTree>
+      <p:nvGrpSpPr>
+        <p:cNvPr id="1" name=""/>
+        <p:cNvGrpSpPr/>
+        <p:nvPr/>
+      </p:nvGrpSpPr>
+      <p:grpSpPr>
+        <a:xfrm>
+          <a:off x="0" y="0"/>
+          <a:ext cx="0" cy="0"/>
+          <a:chOff x="0" y="0"/>
+          <a:chExt cx="0" cy="0"/>
+        </a:xfrm>
+      </p:grpSpPr>
+      <p:sp>
+        <p:nvSpPr>
+          <p:cNvPr id="2" name="标题 1"/>
+          <p:cNvSpPr>
+            <a:spLocks noGrp="1"/>
+          </p:cNvSpPr>
+          <p:nvPr>
+            <p:ph type="title"/>
+          </p:nvPr>
+        </p:nvSpPr>
+        <p:spPr/>
+        <p:txBody>
+          <a:bodyPr>
+            <a:normAutofit/>
+          </a:bodyPr>
+          <a:lstStyle/>
+          <a:p>
+            <a:r>
+              <a:rPr lang="en-US" altLang="zh-CN" sz="4000" dirty="0" smtClean="0"/>
+              <a:t>CEPC HCAL</a:t>
+            </a:r>
+            <a:endParaRPr lang="zh-CN" altLang="en-US" sz="4000" dirty="0"/>
+          </a:p>
+        </p:txBody>
+      </p:sp>
+      <p:sp>
+        <p:nvSpPr>
+          <p:cNvPr id="3" name="内容占位符 2"/>
+          <p:cNvSpPr>
+            <a:spLocks noGrp="1"/>
+          </p:cNvSpPr>
+          <p:nvPr>
+            <p:ph idx="1"/>
+          </p:nvPr>
+        </p:nvSpPr>
+        <p:spPr/>
+        <p:txBody>
+          <a:bodyPr/>
+          <a:lstStyle/>
+          <a:p>
+            <a:r>
+              <a:rPr lang="en-US" altLang="zh-CN" dirty="0" smtClean="0">
+                <a:gradFill>
+                  <a:gsLst>
+                    <a:gs pos="2917">
+                      <a:schemeClr val="tx1"/>
+                    </a:gs>
+                    <a:gs pos="30000">
+                      <a:schemeClr val="tx1"/>
+                    </a:gs>
+                  </a:gsLst>
+                  <a:lin ang="5400000" scaled="0"/>
+                </a:gradFill>
+                <a:latin typeface="Times New Roman" panose="02020603050405020304" pitchFamily="18" charset="0"/>
+                <a:cs typeface="Times New Roman" panose="02020603050405020304" pitchFamily="18" charset="0"/>
+              </a:rPr>
+              <a:t>HCAL</a:t>
+            </a:r>
+          </a:p>
+          <a:p>
+            <a:pPr lvl="1"/>
+            <a:r>
+              <a:rPr lang="en-US" altLang="zh-CN" dirty="0" smtClean="0">
+                <a:gradFill>
+                  <a:gsLst>
+                    <a:gs pos="2917">
+                      <a:schemeClr val="tx1"/>
+                    </a:gs>
+                    <a:gs pos="30000">
+                      <a:schemeClr val="tx1"/>
+                    </a:gs>
+                  </a:gsLst>
+                  <a:lin ang="5400000" scaled="0"/>
+                </a:gradFill>
+                <a:latin typeface="Times New Roman" panose="02020603050405020304" pitchFamily="18" charset="0"/>
+                <a:cs typeface="Times New Roman" panose="02020603050405020304" pitchFamily="18" charset="0"/>
+              </a:rPr>
+              <a:t>A </a:t>
+            </a:r>
+            <a:r>
+              <a:rPr lang="en-US" altLang="zh-CN" dirty="0">
+                <a:gradFill>
+                  <a:gsLst>
+                    <a:gs pos="2917">
+                      <a:schemeClr val="tx1"/>
+                    </a:gs>
+                    <a:gs pos="30000">
+                      <a:schemeClr val="tx1"/>
+                    </a:gs>
+                  </a:gsLst>
+                  <a:lin ang="5400000" scaled="0"/>
+                </a:gradFill>
+                <a:latin typeface="Times New Roman" panose="02020603050405020304" pitchFamily="18" charset="0"/>
+                <a:cs typeface="Times New Roman" panose="02020603050405020304" pitchFamily="18" charset="0"/>
+              </a:rPr>
+              <a:t>high-granularity HCAL plays an essential role in CEPC. It allows separation of energy deposits from charged and neutral hadrons. The measurement accuracy of the neutral hadrons is the leading contribution to the jet energy resolution for jets with energy up to 100GeV</a:t>
+            </a:r>
+            <a:r>
+              <a:rPr lang="en-US" altLang="zh-CN" dirty="0" smtClean="0">
+                <a:gradFill>
+                  <a:gsLst>
+                    <a:gs pos="2917">
+                      <a:schemeClr val="tx1"/>
+                    </a:gs>
+                    <a:gs pos="30000">
+                      <a:schemeClr val="tx1"/>
+                    </a:gs>
+                  </a:gsLst>
+                  <a:lin ang="5400000" scaled="0"/>
+                </a:gradFill>
+                <a:latin typeface="Times New Roman" panose="02020603050405020304" pitchFamily="18" charset="0"/>
+                <a:cs typeface="Times New Roman" panose="02020603050405020304" pitchFamily="18" charset="0"/>
+              </a:rPr>
+              <a:t>.</a:t>
+            </a:r>
+          </a:p>
+          <a:p>
+            <a:pPr lvl="1"/>
+            <a:r>
+              <a:rPr lang="en-US" altLang="zh-CN" dirty="0">
+                <a:gradFill>
+                  <a:gsLst>
+                    <a:gs pos="2917">
+                      <a:schemeClr val="tx1"/>
+                    </a:gs>
+                    <a:gs pos="30000">
+                      <a:schemeClr val="tx1"/>
+                    </a:gs>
+                  </a:gsLst>
+                  <a:lin ang="5400000" scaled="0"/>
+                </a:gradFill>
+                <a:latin typeface="Times New Roman" panose="02020603050405020304" pitchFamily="18" charset="0"/>
+                <a:cs typeface="Times New Roman" panose="02020603050405020304" pitchFamily="18" charset="0"/>
+              </a:rPr>
+              <a:t>The HCAL is a sampling calorimeter with </a:t>
+            </a:r>
+            <a:r>
+              <a:rPr lang="en-US" altLang="zh-CN" dirty="0">
+                <a:solidFill>
+                  <a:srgbClr val="FFC000"/>
+                </a:solidFill>
+                <a:latin typeface="Times New Roman" panose="02020603050405020304" pitchFamily="18" charset="0"/>
+                <a:cs typeface="Times New Roman" panose="02020603050405020304" pitchFamily="18" charset="0"/>
+              </a:rPr>
+              <a:t>steel</a:t>
+            </a:r>
+            <a:r>
+              <a:rPr lang="en-US" altLang="zh-CN" dirty="0">
+                <a:gradFill>
+                  <a:gsLst>
+                    <a:gs pos="2917">
+                      <a:schemeClr val="tx1"/>
+                    </a:gs>
+                    <a:gs pos="30000">
+                      <a:schemeClr val="tx1"/>
+                    </a:gs>
+                  </a:gsLst>
+                  <a:lin ang="5400000" scaled="0"/>
+                </a:gradFill>
+                <a:latin typeface="Times New Roman" panose="02020603050405020304" pitchFamily="18" charset="0"/>
+                <a:cs typeface="Times New Roman" panose="02020603050405020304" pitchFamily="18" charset="0"/>
+              </a:rPr>
+              <a:t> as the absorber and scintillator tiles or gaseous devices with embedded electronics. </a:t>
+            </a:r>
+            <a:endParaRPr lang="zh-CN" altLang="en-US" dirty="0">
+              <a:gradFill>
+                <a:gsLst>
+                  <a:gs pos="2917">
+                    <a:schemeClr val="tx1"/>
+                  </a:gs>
+                  <a:gs pos="30000">
+                    <a:schemeClr val="tx1"/>
+                  </a:gs>
+                </a:gsLst>
+                <a:lin ang="5400000" scaled="0"/>
+              </a:gradFill>
+              <a:latin typeface="Times New Roman" panose="02020603050405020304" pitchFamily="18" charset="0"/>
+              <a:cs typeface="Times New Roman" panose="02020603050405020304" pitchFamily="18" charset="0"/>
+            </a:endParaRPr>
+          </a:p>
+          <a:p>
+            <a:endParaRPr lang="zh-CN" altLang="en-US" dirty="0"/>
+          </a:p>
+        </p:txBody>
+      </p:sp>
+    </p:spTree>
+    <p:extLst>
+      <p:ext uri="{BB962C8B-B14F-4D97-AF65-F5344CB8AC3E}">
+        <p14:creationId xmlns:p14="http://schemas.microsoft.com/office/powerpoint/2010/main" val="856733831"/>
+      </p:ext>
+    </p:extLst>
+  </p:cSld>
+  <p:clrMapOvr>
+    <a:masterClrMapping/>
+  </p:clrMapOvr>
+  <p:timing>
+    <p:tnLst>
+      <p:par>
+        <p:cTn id="1" dur="indefinite" restart="never" nodeType="tmRoot"/>
+      </p:par>
+    </p:tnLst>
+  </p:timing>
+</p:sld>
+</file>
+
+<file path=ppt/slides/slide7.xml><?xml version="1.0" encoding="utf-8"?>
+<p:sld xmlns:a="http://schemas.openxmlformats.org/drawingml/2006/main" xmlns:r="http://schemas.openxmlformats.org/officeDocument/2006/relationships" xmlns:p="http://schemas.openxmlformats.org/presentationml/2006/main">
+  <p:cSld>
+    <p:spTree>
+      <p:nvGrpSpPr>
+        <p:cNvPr id="1" name=""/>
+        <p:cNvGrpSpPr/>
+        <p:nvPr/>
+      </p:nvGrpSpPr>
+      <p:grpSpPr>
+        <a:xfrm>
+          <a:off x="0" y="0"/>
+          <a:ext cx="0" cy="0"/>
+          <a:chOff x="0" y="0"/>
+          <a:chExt cx="0" cy="0"/>
+        </a:xfrm>
+      </p:grpSpPr>
+      <p:sp>
+        <p:nvSpPr>
+          <p:cNvPr id="2" name="标题 1"/>
+          <p:cNvSpPr>
+            <a:spLocks noGrp="1"/>
+          </p:cNvSpPr>
+          <p:nvPr>
+            <p:ph type="title"/>
+          </p:nvPr>
+        </p:nvSpPr>
+        <p:spPr/>
+        <p:txBody>
+          <a:bodyPr/>
+          <a:lstStyle/>
+          <a:p>
+            <a:r>
+              <a:rPr lang="en-US" altLang="zh-CN" dirty="0" smtClean="0"/>
+              <a:t>CEPC </a:t>
+            </a:r>
+            <a:r>
+              <a:rPr lang="en-US" altLang="zh-CN" dirty="0"/>
+              <a:t>H</a:t>
+            </a:r>
+            <a:r>
+              <a:rPr lang="en-US" altLang="zh-CN" dirty="0" smtClean="0"/>
+              <a:t>CAL</a:t>
+            </a:r>
+            <a:endParaRPr lang="zh-CN" altLang="en-US" dirty="0"/>
+          </a:p>
+        </p:txBody>
+      </p:sp>
+      <p:sp>
+        <p:nvSpPr>
+          <p:cNvPr id="3" name="内容占位符 2"/>
+          <p:cNvSpPr>
+            <a:spLocks noGrp="1"/>
+          </p:cNvSpPr>
+          <p:nvPr>
+            <p:ph idx="1"/>
+          </p:nvPr>
+        </p:nvSpPr>
+        <p:spPr/>
+        <p:txBody>
+          <a:bodyPr/>
+          <a:lstStyle/>
+          <a:p>
+            <a:r>
+              <a:rPr lang="en-US" altLang="zh-CN" dirty="0">
+                <a:gradFill>
+                  <a:gsLst>
+                    <a:gs pos="2917">
+                      <a:schemeClr val="tx1"/>
+                    </a:gs>
+                    <a:gs pos="30000">
+                      <a:schemeClr val="tx1"/>
+                    </a:gs>
+                  </a:gsLst>
+                  <a:lin ang="5400000" scaled="0"/>
+                </a:gradFill>
+                <a:latin typeface="Times New Roman" panose="02020603050405020304" pitchFamily="18" charset="0"/>
+                <a:cs typeface="Times New Roman" panose="02020603050405020304" pitchFamily="18" charset="0"/>
+              </a:rPr>
+              <a:t>HCAL Detector Options</a:t>
+            </a:r>
+            <a:endParaRPr lang="zh-CN" altLang="en-US" dirty="0">
+              <a:gradFill>
+                <a:gsLst>
+                  <a:gs pos="2917">
+                    <a:schemeClr val="tx1"/>
+                  </a:gs>
+                  <a:gs pos="30000">
+                    <a:schemeClr val="tx1"/>
+                  </a:gs>
+                </a:gsLst>
+                <a:lin ang="5400000" scaled="0"/>
+              </a:gradFill>
+              <a:latin typeface="Times New Roman" panose="02020603050405020304" pitchFamily="18" charset="0"/>
+              <a:cs typeface="Times New Roman" panose="02020603050405020304" pitchFamily="18" charset="0"/>
+            </a:endParaRPr>
+          </a:p>
+          <a:p>
+            <a:endParaRPr lang="zh-CN" altLang="en-US" dirty="0"/>
+          </a:p>
+        </p:txBody>
+      </p:sp>
+      <p:grpSp>
+        <p:nvGrpSpPr>
+          <p:cNvPr id="4" name="组合 3"/>
+          <p:cNvGrpSpPr/>
+          <p:nvPr/>
+        </p:nvGrpSpPr>
+        <p:grpSpPr>
+          <a:xfrm>
+            <a:off x="63428" y="1175395"/>
+            <a:ext cx="9062862" cy="5102347"/>
+            <a:chOff x="59275" y="2618474"/>
+            <a:chExt cx="9062862" cy="5102347"/>
+          </a:xfrm>
+        </p:grpSpPr>
+        <p:sp>
+          <p:nvSpPr>
+            <p:cNvPr id="6" name="左大括号 5"/>
+            <p:cNvSpPr/>
+            <p:nvPr/>
+          </p:nvSpPr>
+          <p:spPr>
+            <a:xfrm>
+              <a:off x="1017823" y="3983549"/>
+              <a:ext cx="162593" cy="2551483"/>
+            </a:xfrm>
+            <a:prstGeom prst="leftBrace">
+              <a:avLst/>
+            </a:prstGeom>
+            <a:ln>
+              <a:solidFill>
+                <a:schemeClr val="tx1"/>
+              </a:solidFill>
+              <a:headEnd type="none"/>
+              <a:tailEnd type="none"/>
+            </a:ln>
+          </p:spPr>
+          <p:style>
+            <a:lnRef idx="1">
+              <a:schemeClr val="accent1"/>
+            </a:lnRef>
+            <a:fillRef idx="0">
+              <a:schemeClr val="accent1"/>
+            </a:fillRef>
+            <a:effectRef idx="0">
+              <a:schemeClr val="accent1"/>
+            </a:effectRef>
+            <a:fontRef idx="minor">
+              <a:schemeClr val="tx1"/>
+            </a:fontRef>
+          </p:style>
+          <p:txBody>
+            <a:bodyPr rtlCol="0" anchor="ctr"/>
+            <a:lstStyle/>
+            <a:p>
+              <a:pPr algn="ctr"/>
+              <a:endParaRPr lang="zh-CN" altLang="en-US"/>
+            </a:p>
+          </p:txBody>
+        </p:sp>
+        <p:sp>
+          <p:nvSpPr>
+            <p:cNvPr id="7" name="文本框 6"/>
+            <p:cNvSpPr txBox="1"/>
+            <p:nvPr/>
+          </p:nvSpPr>
+          <p:spPr>
+            <a:xfrm>
+              <a:off x="59275" y="4601105"/>
+              <a:ext cx="1121141" cy="627864"/>
+            </a:xfrm>
+            <a:prstGeom prst="rect">
+              <a:avLst/>
+            </a:prstGeom>
+            <a:noFill/>
+          </p:spPr>
+          <p:txBody>
+            <a:bodyPr wrap="none" lIns="182880" tIns="146304" rIns="182880" bIns="146304" rtlCol="0">
+              <a:spAutoFit/>
+            </a:bodyPr>
+            <a:lstStyle/>
+            <a:p>
+              <a:pPr>
+                <a:lnSpc>
+                  <a:spcPct val="90000"/>
+                </a:lnSpc>
+                <a:spcAft>
+                  <a:spcPts val="600"/>
+                </a:spcAft>
+              </a:pPr>
+              <a:r>
+                <a:rPr lang="en-US" altLang="zh-CN" sz="2400" dirty="0" smtClean="0">
+                  <a:gradFill>
+                    <a:gsLst>
+                      <a:gs pos="2917">
+                        <a:schemeClr val="tx1"/>
+                      </a:gs>
+                      <a:gs pos="30000">
+                        <a:schemeClr val="tx1"/>
+                      </a:gs>
+                    </a:gsLst>
+                    <a:lin ang="5400000" scaled="0"/>
+                  </a:gradFill>
+                </a:rPr>
+                <a:t>HCAL</a:t>
+              </a:r>
+              <a:endParaRPr lang="zh-CN" altLang="en-US" sz="2400" dirty="0" err="1" smtClean="0">
+                <a:gradFill>
+                  <a:gsLst>
+                    <a:gs pos="2917">
+                      <a:schemeClr val="tx1"/>
+                    </a:gs>
+                    <a:gs pos="30000">
+                      <a:schemeClr val="tx1"/>
+                    </a:gs>
+                  </a:gsLst>
+                  <a:lin ang="5400000" scaled="0"/>
+                </a:gradFill>
+              </a:endParaRPr>
+            </a:p>
+          </p:txBody>
+        </p:sp>
+        <p:sp>
+          <p:nvSpPr>
+            <p:cNvPr id="8" name="文本框 7"/>
+            <p:cNvSpPr txBox="1"/>
+            <p:nvPr/>
+          </p:nvSpPr>
+          <p:spPr>
+            <a:xfrm>
+              <a:off x="1102692" y="3698445"/>
+              <a:ext cx="1319913" cy="627864"/>
+            </a:xfrm>
+            <a:prstGeom prst="rect">
+              <a:avLst/>
+            </a:prstGeom>
+            <a:noFill/>
+          </p:spPr>
+          <p:txBody>
+            <a:bodyPr wrap="none" lIns="182880" tIns="146304" rIns="182880" bIns="146304" rtlCol="0">
+              <a:spAutoFit/>
+            </a:bodyPr>
+            <a:lstStyle/>
+            <a:p>
+              <a:pPr>
+                <a:lnSpc>
+                  <a:spcPct val="90000"/>
+                </a:lnSpc>
+                <a:spcAft>
+                  <a:spcPts val="600"/>
+                </a:spcAft>
+              </a:pPr>
+              <a:r>
+                <a:rPr lang="en-US" altLang="zh-CN" sz="2400" dirty="0" smtClean="0">
+                  <a:gradFill>
+                    <a:gsLst>
+                      <a:gs pos="2917">
+                        <a:schemeClr val="tx1"/>
+                      </a:gs>
+                      <a:gs pos="30000">
+                        <a:schemeClr val="tx1"/>
+                      </a:gs>
+                    </a:gsLst>
+                    <a:lin ang="5400000" scaled="0"/>
+                  </a:gradFill>
+                </a:rPr>
+                <a:t>AHCAL</a:t>
+              </a:r>
+              <a:endParaRPr lang="zh-CN" altLang="en-US" sz="2400" dirty="0" err="1" smtClean="0">
+                <a:gradFill>
+                  <a:gsLst>
+                    <a:gs pos="2917">
+                      <a:schemeClr val="tx1"/>
+                    </a:gs>
+                    <a:gs pos="30000">
+                      <a:schemeClr val="tx1"/>
+                    </a:gs>
+                  </a:gsLst>
+                  <a:lin ang="5400000" scaled="0"/>
+                </a:gradFill>
+              </a:endParaRPr>
+            </a:p>
+          </p:txBody>
+        </p:sp>
+        <p:sp>
+          <p:nvSpPr>
+            <p:cNvPr id="9" name="文本框 8"/>
+            <p:cNvSpPr txBox="1"/>
+            <p:nvPr/>
+          </p:nvSpPr>
+          <p:spPr>
+            <a:xfrm>
+              <a:off x="1085059" y="4962188"/>
+              <a:ext cx="1337546" cy="627864"/>
+            </a:xfrm>
+            <a:prstGeom prst="rect">
+              <a:avLst/>
+            </a:prstGeom>
+            <a:noFill/>
+          </p:spPr>
+          <p:txBody>
+            <a:bodyPr wrap="none" lIns="182880" tIns="146304" rIns="182880" bIns="146304" rtlCol="0">
+              <a:spAutoFit/>
+            </a:bodyPr>
+            <a:lstStyle/>
+            <a:p>
+              <a:pPr>
+                <a:lnSpc>
+                  <a:spcPct val="90000"/>
+                </a:lnSpc>
+                <a:spcAft>
+                  <a:spcPts val="600"/>
+                </a:spcAft>
+              </a:pPr>
+              <a:r>
+                <a:rPr lang="en-US" altLang="zh-CN" sz="2400" dirty="0">
+                  <a:gradFill>
+                    <a:gsLst>
+                      <a:gs pos="2917">
+                        <a:schemeClr val="tx1"/>
+                      </a:gs>
+                      <a:gs pos="30000">
+                        <a:schemeClr val="tx1"/>
+                      </a:gs>
+                    </a:gsLst>
+                    <a:lin ang="5400000" scaled="0"/>
+                  </a:gradFill>
+                </a:rPr>
+                <a:t>D</a:t>
+              </a:r>
+              <a:r>
+                <a:rPr lang="en-US" altLang="zh-CN" sz="2400" dirty="0" smtClean="0">
+                  <a:gradFill>
+                    <a:gsLst>
+                      <a:gs pos="2917">
+                        <a:schemeClr val="tx1"/>
+                      </a:gs>
+                      <a:gs pos="30000">
+                        <a:schemeClr val="tx1"/>
+                      </a:gs>
+                    </a:gsLst>
+                    <a:lin ang="5400000" scaled="0"/>
+                  </a:gradFill>
+                </a:rPr>
+                <a:t>HCAL</a:t>
+              </a:r>
+              <a:endParaRPr lang="zh-CN" altLang="en-US" sz="2400" dirty="0" err="1" smtClean="0">
+                <a:gradFill>
+                  <a:gsLst>
+                    <a:gs pos="2917">
+                      <a:schemeClr val="tx1"/>
+                    </a:gs>
+                    <a:gs pos="30000">
+                      <a:schemeClr val="tx1"/>
+                    </a:gs>
+                  </a:gsLst>
+                  <a:lin ang="5400000" scaled="0"/>
+                </a:gradFill>
+              </a:endParaRPr>
+            </a:p>
+          </p:txBody>
+        </p:sp>
+        <p:sp>
+          <p:nvSpPr>
+            <p:cNvPr id="10" name="文本框 9"/>
+            <p:cNvSpPr txBox="1"/>
+            <p:nvPr/>
+          </p:nvSpPr>
+          <p:spPr>
+            <a:xfrm>
+              <a:off x="1180416" y="6120056"/>
+              <a:ext cx="1501052" cy="627864"/>
+            </a:xfrm>
+            <a:prstGeom prst="rect">
+              <a:avLst/>
+            </a:prstGeom>
+            <a:noFill/>
+          </p:spPr>
+          <p:txBody>
+            <a:bodyPr wrap="none" lIns="182880" tIns="146304" rIns="182880" bIns="146304" rtlCol="0">
+              <a:spAutoFit/>
+            </a:bodyPr>
+            <a:lstStyle/>
+            <a:p>
+              <a:pPr>
+                <a:lnSpc>
+                  <a:spcPct val="90000"/>
+                </a:lnSpc>
+                <a:spcAft>
+                  <a:spcPts val="600"/>
+                </a:spcAft>
+              </a:pPr>
+              <a:r>
+                <a:rPr lang="en-US" altLang="zh-CN" sz="2400" dirty="0" smtClean="0">
+                  <a:solidFill>
+                    <a:srgbClr val="92D050"/>
+                  </a:solidFill>
+                </a:rPr>
+                <a:t>SDHCAL</a:t>
+              </a:r>
+              <a:endParaRPr lang="zh-CN" altLang="en-US" sz="2400" dirty="0" err="1" smtClean="0">
+                <a:solidFill>
+                  <a:srgbClr val="92D050"/>
+                </a:solidFill>
+              </a:endParaRPr>
+            </a:p>
+          </p:txBody>
+        </p:sp>
+        <p:sp>
+          <p:nvSpPr>
+            <p:cNvPr id="11" name="文本框 10"/>
+            <p:cNvSpPr txBox="1"/>
+            <p:nvPr/>
+          </p:nvSpPr>
+          <p:spPr>
+            <a:xfrm>
+              <a:off x="2271635" y="3693097"/>
+              <a:ext cx="6663365" cy="1114151"/>
+            </a:xfrm>
+            <a:prstGeom prst="rect">
+              <a:avLst/>
+            </a:prstGeom>
+            <a:noFill/>
+          </p:spPr>
+          <p:txBody>
+            <a:bodyPr wrap="square" lIns="182880" tIns="146304" rIns="182880" bIns="146304" rtlCol="0">
+              <a:spAutoFit/>
+            </a:bodyPr>
+            <a:lstStyle/>
+            <a:p>
+              <a:pPr>
+                <a:lnSpc>
+                  <a:spcPct val="90000"/>
+                </a:lnSpc>
+                <a:spcAft>
+                  <a:spcPts val="600"/>
+                </a:spcAft>
+              </a:pPr>
+              <a:r>
+                <a:rPr lang="en-US" altLang="zh-CN" sz="1600" dirty="0" smtClean="0">
+                  <a:gradFill>
+                    <a:gsLst>
+                      <a:gs pos="2917">
+                        <a:schemeClr val="tx1"/>
+                      </a:gs>
+                      <a:gs pos="30000">
+                        <a:schemeClr val="tx1"/>
+                      </a:gs>
+                    </a:gsLst>
+                    <a:lin ang="5400000" scaled="0"/>
+                  </a:gradFill>
+                  <a:latin typeface="Times New Roman" panose="02020603050405020304" pitchFamily="18" charset="0"/>
+                  <a:cs typeface="Times New Roman" panose="02020603050405020304" pitchFamily="18" charset="0"/>
+                </a:rPr>
+                <a:t>Scintillator + </a:t>
+              </a:r>
+              <a:r>
+                <a:rPr lang="en-US" altLang="zh-CN" sz="1600" dirty="0" err="1" smtClean="0">
+                  <a:gradFill>
+                    <a:gsLst>
+                      <a:gs pos="2917">
+                        <a:schemeClr val="tx1"/>
+                      </a:gs>
+                      <a:gs pos="30000">
+                        <a:schemeClr val="tx1"/>
+                      </a:gs>
+                    </a:gsLst>
+                    <a:lin ang="5400000" scaled="0"/>
+                  </a:gradFill>
+                  <a:latin typeface="Times New Roman" panose="02020603050405020304" pitchFamily="18" charset="0"/>
+                  <a:cs typeface="Times New Roman" panose="02020603050405020304" pitchFamily="18" charset="0"/>
+                </a:rPr>
+                <a:t>SiPM</a:t>
+              </a:r>
+              <a:r>
+                <a:rPr lang="en-US" altLang="zh-CN" sz="1600" dirty="0" smtClean="0">
+                  <a:gradFill>
+                    <a:gsLst>
+                      <a:gs pos="2917">
+                        <a:schemeClr val="tx1"/>
+                      </a:gs>
+                      <a:gs pos="30000">
+                        <a:schemeClr val="tx1"/>
+                      </a:gs>
+                    </a:gsLst>
+                    <a:lin ang="5400000" scaled="0"/>
+                  </a:gradFill>
+                  <a:latin typeface="Times New Roman" panose="02020603050405020304" pitchFamily="18" charset="0"/>
+                  <a:cs typeface="Times New Roman" panose="02020603050405020304" pitchFamily="18" charset="0"/>
+                </a:rPr>
+                <a:t> + SPIROC(ASIC),   </a:t>
+              </a:r>
+              <a:r>
+                <a:rPr lang="en-US" altLang="zh-CN" sz="1600" dirty="0" smtClean="0">
+                  <a:gradFill>
+                    <a:gsLst>
+                      <a:gs pos="2917">
+                        <a:schemeClr val="tx1"/>
+                      </a:gs>
+                      <a:gs pos="30000">
+                        <a:schemeClr val="tx1"/>
+                      </a:gs>
+                    </a:gsLst>
+                    <a:lin ang="5400000" scaled="0"/>
+                  </a:gradFill>
+                  <a:latin typeface="Times New Roman" panose="02020603050405020304" pitchFamily="18" charset="0"/>
+                  <a:cs typeface="Times New Roman" panose="02020603050405020304" pitchFamily="18" charset="0"/>
+                </a:rPr>
+                <a:t>8148channels,1m</a:t>
+              </a:r>
+              <a:r>
+                <a:rPr lang="en-US" altLang="zh-CN" sz="1600" baseline="30000" dirty="0" smtClean="0">
+                  <a:gradFill>
+                    <a:gsLst>
+                      <a:gs pos="2917">
+                        <a:schemeClr val="tx1"/>
+                      </a:gs>
+                      <a:gs pos="30000">
+                        <a:schemeClr val="tx1"/>
+                      </a:gs>
+                    </a:gsLst>
+                    <a:lin ang="5400000" scaled="0"/>
+                  </a:gradFill>
+                  <a:latin typeface="Times New Roman" panose="02020603050405020304" pitchFamily="18" charset="0"/>
+                  <a:cs typeface="Times New Roman" panose="02020603050405020304" pitchFamily="18" charset="0"/>
+                </a:rPr>
+                <a:t>3</a:t>
+              </a:r>
+            </a:p>
+            <a:p>
+              <a:pPr marL="285750" indent="-285750">
+                <a:lnSpc>
+                  <a:spcPct val="90000"/>
+                </a:lnSpc>
+                <a:spcAft>
+                  <a:spcPts val="600"/>
+                </a:spcAft>
+                <a:buFont typeface="Arial" panose="020B0604020202020204" pitchFamily="34" charset="0"/>
+                <a:buChar char="•"/>
+              </a:pPr>
+              <a:r>
+                <a:rPr lang="en-US" altLang="zh-CN" sz="1600" dirty="0" smtClean="0">
+                  <a:solidFill>
+                    <a:srgbClr val="0070C0"/>
+                  </a:solidFill>
+                </a:rPr>
+                <a:t>Analog Hadron Calorimeters(AHCAL). </a:t>
+              </a:r>
+            </a:p>
+            <a:p>
+              <a:pPr marL="285750" indent="-285750">
+                <a:lnSpc>
+                  <a:spcPct val="90000"/>
+                </a:lnSpc>
+                <a:spcAft>
+                  <a:spcPts val="600"/>
+                </a:spcAft>
+                <a:buFont typeface="Arial" panose="020B0604020202020204" pitchFamily="34" charset="0"/>
+                <a:buChar char="•"/>
+              </a:pPr>
+              <a:r>
+                <a:rPr lang="en-US" altLang="zh-CN" sz="1600" dirty="0" smtClean="0">
+                  <a:solidFill>
+                    <a:srgbClr val="FF0000"/>
+                  </a:solidFill>
+                </a:rPr>
+                <a:t>High power consumption, expensive readout electronics</a:t>
+              </a:r>
+              <a:endParaRPr lang="zh-CN" altLang="en-US" sz="1600" dirty="0" err="1">
+                <a:solidFill>
+                  <a:srgbClr val="FF0000"/>
+                </a:solidFill>
+              </a:endParaRPr>
+            </a:p>
+          </p:txBody>
+        </p:sp>
+        <mc:AlternateContent xmlns:mc="http://schemas.openxmlformats.org/markup-compatibility/2006">
+          <mc:Choice xmlns:a14="http://schemas.microsoft.com/office/drawing/2010/main" Requires="a14">
+            <p:sp>
+              <p:nvSpPr>
+                <p:cNvPr id="12" name="文本框 11"/>
+                <p:cNvSpPr txBox="1"/>
+                <p:nvPr/>
+              </p:nvSpPr>
+              <p:spPr>
+                <a:xfrm>
+                  <a:off x="2218301" y="4856313"/>
+                  <a:ext cx="6689915" cy="1335237"/>
+                </a:xfrm>
+                <a:prstGeom prst="rect">
+                  <a:avLst/>
+                </a:prstGeom>
+                <a:noFill/>
+              </p:spPr>
+              <p:txBody>
+                <a:bodyPr wrap="square" lIns="182880" tIns="146304" rIns="182880" bIns="146304" rtlCol="0">
+                  <a:spAutoFit/>
+                </a:bodyPr>
+                <a:lstStyle/>
+                <a:p>
+                  <a:pPr>
+                    <a:lnSpc>
+                      <a:spcPct val="90000"/>
+                    </a:lnSpc>
+                    <a:spcAft>
+                      <a:spcPts val="600"/>
+                    </a:spcAft>
+                  </a:pPr>
+                  <a:r>
+                    <a:rPr lang="en-US" altLang="zh-CN" sz="1600" dirty="0" smtClean="0">
+                      <a:gradFill>
+                        <a:gsLst>
+                          <a:gs pos="2917">
+                            <a:schemeClr val="tx1"/>
+                          </a:gs>
+                          <a:gs pos="30000">
+                            <a:schemeClr val="tx1"/>
+                          </a:gs>
+                        </a:gsLst>
+                        <a:lin ang="5400000" scaled="0"/>
+                      </a:gradFill>
+                      <a:latin typeface="Times New Roman" panose="02020603050405020304" pitchFamily="18" charset="0"/>
+                      <a:cs typeface="Times New Roman" panose="02020603050405020304" pitchFamily="18" charset="0"/>
+                    </a:rPr>
+                    <a:t>GEM/RPC/</a:t>
+                  </a:r>
+                  <a:r>
+                    <a:rPr lang="en-US" altLang="zh-CN" sz="1600" dirty="0" err="1" smtClean="0">
+                      <a:gradFill>
+                        <a:gsLst>
+                          <a:gs pos="2917">
+                            <a:schemeClr val="tx1"/>
+                          </a:gs>
+                          <a:gs pos="30000">
+                            <a:schemeClr val="tx1"/>
+                          </a:gs>
+                        </a:gsLst>
+                        <a:lin ang="5400000" scaled="0"/>
+                      </a:gradFill>
+                      <a:latin typeface="Times New Roman" panose="02020603050405020304" pitchFamily="18" charset="0"/>
+                      <a:cs typeface="Times New Roman" panose="02020603050405020304" pitchFamily="18" charset="0"/>
+                    </a:rPr>
+                    <a:t>Micromegas</a:t>
+                  </a:r>
+                  <a:r>
+                    <a:rPr lang="en-US" altLang="zh-CN" sz="1600" dirty="0" smtClean="0">
+                      <a:gradFill>
+                        <a:gsLst>
+                          <a:gs pos="2917">
+                            <a:schemeClr val="tx1"/>
+                          </a:gs>
+                          <a:gs pos="30000">
+                            <a:schemeClr val="tx1"/>
+                          </a:gs>
+                        </a:gsLst>
+                        <a:lin ang="5400000" scaled="0"/>
+                      </a:gradFill>
+                      <a:latin typeface="Times New Roman" panose="02020603050405020304" pitchFamily="18" charset="0"/>
+                      <a:cs typeface="Times New Roman" panose="02020603050405020304" pitchFamily="18" charset="0"/>
+                    </a:rPr>
+                    <a:t> + DCAL(ASIC), </a:t>
+                  </a:r>
+                  <a14:m>
+                    <m:oMath xmlns:m="http://schemas.openxmlformats.org/officeDocument/2006/math">
+                      <m:r>
+                        <a:rPr lang="en-US" altLang="zh-CN" sz="1600" b="0" i="1" smtClean="0">
+                          <a:gradFill>
+                            <a:gsLst>
+                              <a:gs pos="2917">
+                                <a:schemeClr val="tx1"/>
+                              </a:gs>
+                              <a:gs pos="30000">
+                                <a:schemeClr val="tx1"/>
+                              </a:gs>
+                            </a:gsLst>
+                            <a:lin ang="5400000" scaled="0"/>
+                          </a:gradFill>
+                          <a:latin typeface="Cambria Math" panose="02040503050406030204" pitchFamily="18" charset="0"/>
+                          <a:cs typeface="Times New Roman" panose="02020603050405020304" pitchFamily="18" charset="0"/>
+                        </a:rPr>
+                        <m:t>4</m:t>
+                      </m:r>
+                      <m:r>
+                        <a:rPr lang="en-US" altLang="zh-CN" sz="1600" b="0" i="1" smtClean="0">
+                          <a:gradFill>
+                            <a:gsLst>
+                              <a:gs pos="2917">
+                                <a:schemeClr val="tx1"/>
+                              </a:gs>
+                              <a:gs pos="30000">
+                                <a:schemeClr val="tx1"/>
+                              </a:gs>
+                            </a:gsLst>
+                            <a:lin ang="5400000" scaled="0"/>
+                          </a:gradFill>
+                          <a:latin typeface="Cambria Math" panose="02040503050406030204" pitchFamily="18" charset="0"/>
+                          <a:ea typeface="Cambria Math" panose="02040503050406030204" pitchFamily="18" charset="0"/>
+                          <a:cs typeface="Times New Roman" panose="02020603050405020304" pitchFamily="18" charset="0"/>
+                        </a:rPr>
+                        <m:t>×</m:t>
+                      </m:r>
+                      <m:sSup>
+                        <m:sSupPr>
+                          <m:ctrlPr>
+                            <a:rPr lang="en-US" altLang="zh-CN" sz="1600" b="0" i="1" smtClean="0">
+                              <a:gradFill>
+                                <a:gsLst>
+                                  <a:gs pos="2917">
+                                    <a:schemeClr val="tx1"/>
+                                  </a:gs>
+                                  <a:gs pos="30000">
+                                    <a:schemeClr val="tx1"/>
+                                  </a:gs>
+                                </a:gsLst>
+                                <a:lin ang="5400000" scaled="0"/>
+                              </a:gradFill>
+                              <a:latin typeface="Cambria Math" panose="02040503050406030204" pitchFamily="18" charset="0"/>
+                              <a:ea typeface="Cambria Math" panose="02040503050406030204" pitchFamily="18" charset="0"/>
+                              <a:cs typeface="Times New Roman" panose="02020603050405020304" pitchFamily="18" charset="0"/>
+                            </a:rPr>
+                          </m:ctrlPr>
+                        </m:sSupPr>
+                        <m:e>
+                          <m:r>
+                            <a:rPr lang="en-US" altLang="zh-CN" sz="1600" b="0" i="1" smtClean="0">
+                              <a:gradFill>
+                                <a:gsLst>
+                                  <a:gs pos="2917">
+                                    <a:schemeClr val="tx1"/>
+                                  </a:gs>
+                                  <a:gs pos="30000">
+                                    <a:schemeClr val="tx1"/>
+                                  </a:gs>
+                                </a:gsLst>
+                                <a:lin ang="5400000" scaled="0"/>
+                              </a:gradFill>
+                              <a:latin typeface="Cambria Math" panose="02040503050406030204" pitchFamily="18" charset="0"/>
+                              <a:ea typeface="Cambria Math" panose="02040503050406030204" pitchFamily="18" charset="0"/>
+                              <a:cs typeface="Times New Roman" panose="02020603050405020304" pitchFamily="18" charset="0"/>
+                            </a:rPr>
+                            <m:t>10</m:t>
+                          </m:r>
+                        </m:e>
+                        <m:sup>
+                          <m:r>
+                            <a:rPr lang="en-US" altLang="zh-CN" sz="1600" b="0" i="1" smtClean="0">
+                              <a:gradFill>
+                                <a:gsLst>
+                                  <a:gs pos="2917">
+                                    <a:schemeClr val="tx1"/>
+                                  </a:gs>
+                                  <a:gs pos="30000">
+                                    <a:schemeClr val="tx1"/>
+                                  </a:gs>
+                                </a:gsLst>
+                                <a:lin ang="5400000" scaled="0"/>
+                              </a:gradFill>
+                              <a:latin typeface="Cambria Math" panose="02040503050406030204" pitchFamily="18" charset="0"/>
+                              <a:ea typeface="Cambria Math" panose="02040503050406030204" pitchFamily="18" charset="0"/>
+                              <a:cs typeface="Times New Roman" panose="02020603050405020304" pitchFamily="18" charset="0"/>
+                            </a:rPr>
+                            <m:t>5</m:t>
+                          </m:r>
+                        </m:sup>
+                      </m:sSup>
+                    </m:oMath>
+                  </a14:m>
+                  <a:r>
+                    <a:rPr lang="en-US" altLang="zh-CN" sz="1600" b="0" dirty="0" smtClean="0">
+                      <a:gradFill>
+                        <a:gsLst>
+                          <a:gs pos="2917">
+                            <a:schemeClr val="tx1"/>
+                          </a:gs>
+                          <a:gs pos="30000">
+                            <a:schemeClr val="tx1"/>
+                          </a:gs>
+                        </a:gsLst>
+                        <a:lin ang="5400000" scaled="0"/>
+                      </a:gradFill>
+                      <a:latin typeface="Times New Roman" panose="02020603050405020304" pitchFamily="18" charset="0"/>
+                      <a:ea typeface="Cambria Math" panose="02040503050406030204" pitchFamily="18" charset="0"/>
+                      <a:cs typeface="Times New Roman" panose="02020603050405020304" pitchFamily="18" charset="0"/>
+                    </a:rPr>
+                    <a:t> chn/m</a:t>
+                  </a:r>
+                  <a:r>
+                    <a:rPr lang="en-US" altLang="zh-CN" sz="1600" b="0" baseline="30000" dirty="0" smtClean="0">
+                      <a:gradFill>
+                        <a:gsLst>
+                          <a:gs pos="2917">
+                            <a:schemeClr val="tx1"/>
+                          </a:gs>
+                          <a:gs pos="30000">
+                            <a:schemeClr val="tx1"/>
+                          </a:gs>
+                        </a:gsLst>
+                        <a:lin ang="5400000" scaled="0"/>
+                      </a:gradFill>
+                      <a:latin typeface="Times New Roman" panose="02020603050405020304" pitchFamily="18" charset="0"/>
+                      <a:ea typeface="Cambria Math" panose="02040503050406030204" pitchFamily="18" charset="0"/>
+                      <a:cs typeface="Times New Roman" panose="02020603050405020304" pitchFamily="18" charset="0"/>
+                    </a:rPr>
+                    <a:t>3</a:t>
+                  </a:r>
+                </a:p>
+                <a:p>
+                  <a:pPr marL="285750" indent="-285750">
+                    <a:buFont typeface="Arial" panose="020B0604020202020204" pitchFamily="34" charset="0"/>
+                    <a:buChar char="•"/>
+                  </a:pPr>
+                  <a:r>
+                    <a:rPr lang="en-US" altLang="zh-CN" sz="1600" dirty="0">
+                      <a:solidFill>
+                        <a:srgbClr val="0070C0"/>
+                      </a:solidFill>
+                    </a:rPr>
+                    <a:t>A hadron calorimeter with only one threshold readout </a:t>
+                  </a:r>
+                  <a:r>
+                    <a:rPr lang="en-US" altLang="zh-CN" sz="1600" dirty="0" smtClean="0">
+                      <a:solidFill>
+                        <a:srgbClr val="0070C0"/>
+                      </a:solidFill>
+                    </a:rPr>
+                    <a:t>is called a Digital </a:t>
+                  </a:r>
+                  <a:r>
+                    <a:rPr lang="en-US" altLang="zh-CN" sz="1600" dirty="0">
+                      <a:solidFill>
+                        <a:srgbClr val="0070C0"/>
+                      </a:solidFill>
+                    </a:rPr>
+                    <a:t>Hadron Calorimeter (DHCAL</a:t>
+                  </a:r>
+                  <a:r>
+                    <a:rPr lang="en-US" altLang="zh-CN" sz="1600" dirty="0" smtClean="0">
+                      <a:solidFill>
+                        <a:srgbClr val="0070C0"/>
+                      </a:solidFill>
+                    </a:rPr>
+                    <a:t>).</a:t>
+                  </a:r>
+                </a:p>
+                <a:p>
+                  <a:pPr marL="285750" indent="-285750">
+                    <a:buFont typeface="Arial" panose="020B0604020202020204" pitchFamily="34" charset="0"/>
+                    <a:buChar char="•"/>
+                  </a:pPr>
+                  <a:r>
+                    <a:rPr lang="en-US" altLang="zh-CN" sz="1600" dirty="0" smtClean="0">
+                      <a:solidFill>
+                        <a:srgbClr val="FF0000"/>
+                      </a:solidFill>
+                    </a:rPr>
+                    <a:t>Simple, but poor accuracy. Hard to satisfy PFA</a:t>
+                  </a:r>
+                  <a:endParaRPr lang="en-US" altLang="zh-CN" sz="1600" dirty="0">
+                    <a:solidFill>
+                      <a:srgbClr val="FF0000"/>
+                    </a:solidFill>
+                  </a:endParaRPr>
+                </a:p>
+              </p:txBody>
+            </p:sp>
+          </mc:Choice>
+          <mc:Fallback>
+            <p:sp>
+              <p:nvSpPr>
+                <p:cNvPr id="12" name="文本框 11"/>
+                <p:cNvSpPr txBox="1">
+                  <a:spLocks noRot="1" noChangeAspect="1" noMove="1" noResize="1" noEditPoints="1" noAdjustHandles="1" noChangeArrowheads="1" noChangeShapeType="1" noTextEdit="1"/>
+                </p:cNvSpPr>
+                <p:nvPr/>
+              </p:nvSpPr>
+              <p:spPr>
+                <a:xfrm>
+                  <a:off x="2218301" y="4856313"/>
+                  <a:ext cx="6689915" cy="1335237"/>
+                </a:xfrm>
+                <a:prstGeom prst="rect">
+                  <a:avLst/>
+                </a:prstGeom>
+                <a:blipFill rotWithShape="0">
+                  <a:blip r:embed="rId2"/>
+                  <a:stretch>
+                    <a:fillRect/>
+                  </a:stretch>
+                </a:blipFill>
+              </p:spPr>
+              <p:txBody>
+                <a:bodyPr/>
+                <a:lstStyle/>
+                <a:p>
+                  <a:r>
+                    <a:rPr lang="zh-CN" altLang="en-US">
+                      <a:noFill/>
+                    </a:rPr>
+                    <a:t> </a:t>
+                  </a:r>
+                </a:p>
+              </p:txBody>
+            </p:sp>
+          </mc:Fallback>
+        </mc:AlternateContent>
+        <mc:AlternateContent xmlns:mc="http://schemas.openxmlformats.org/markup-compatibility/2006">
+          <mc:Choice xmlns:a14="http://schemas.microsoft.com/office/drawing/2010/main" Requires="a14">
+            <p:sp>
+              <p:nvSpPr>
+                <p:cNvPr id="13" name="文本框 12"/>
+                <p:cNvSpPr txBox="1"/>
+                <p:nvPr/>
+              </p:nvSpPr>
+              <p:spPr>
+                <a:xfrm>
+                  <a:off x="2271635" y="6139362"/>
+                  <a:ext cx="6670987" cy="1581459"/>
+                </a:xfrm>
+                <a:prstGeom prst="rect">
+                  <a:avLst/>
+                </a:prstGeom>
+                <a:noFill/>
+              </p:spPr>
+              <p:txBody>
+                <a:bodyPr wrap="square" lIns="182880" tIns="146304" rIns="182880" bIns="146304" rtlCol="0">
+                  <a:spAutoFit/>
+                </a:bodyPr>
+                <a:lstStyle/>
+                <a:p>
+                  <a:pPr>
+                    <a:lnSpc>
+                      <a:spcPct val="90000"/>
+                    </a:lnSpc>
+                    <a:spcAft>
+                      <a:spcPts val="600"/>
+                    </a:spcAft>
+                  </a:pPr>
+                  <a:r>
+                    <a:rPr lang="en-US" altLang="zh-CN" sz="1600" dirty="0" smtClean="0">
+                      <a:gradFill>
+                        <a:gsLst>
+                          <a:gs pos="2917">
+                            <a:schemeClr val="tx1"/>
+                          </a:gs>
+                          <a:gs pos="30000">
+                            <a:schemeClr val="tx1"/>
+                          </a:gs>
+                        </a:gsLst>
+                        <a:lin ang="5400000" scaled="0"/>
+                      </a:gradFill>
+                      <a:latin typeface="Times New Roman" panose="02020603050405020304" pitchFamily="18" charset="0"/>
+                      <a:cs typeface="Times New Roman" panose="02020603050405020304" pitchFamily="18" charset="0"/>
+                    </a:rPr>
+                    <a:t>GEM/RPC/</a:t>
+                  </a:r>
+                  <a:r>
+                    <a:rPr lang="en-US" altLang="zh-CN" sz="1600" dirty="0" err="1" smtClean="0">
+                      <a:gradFill>
+                        <a:gsLst>
+                          <a:gs pos="2917">
+                            <a:schemeClr val="tx1"/>
+                          </a:gs>
+                          <a:gs pos="30000">
+                            <a:schemeClr val="tx1"/>
+                          </a:gs>
+                        </a:gsLst>
+                        <a:lin ang="5400000" scaled="0"/>
+                      </a:gradFill>
+                      <a:latin typeface="Times New Roman" panose="02020603050405020304" pitchFamily="18" charset="0"/>
+                      <a:cs typeface="Times New Roman" panose="02020603050405020304" pitchFamily="18" charset="0"/>
+                    </a:rPr>
+                    <a:t>Micromegas</a:t>
+                  </a:r>
+                  <a:r>
+                    <a:rPr lang="en-US" altLang="zh-CN" sz="1600" dirty="0" smtClean="0">
+                      <a:gradFill>
+                        <a:gsLst>
+                          <a:gs pos="2917">
+                            <a:schemeClr val="tx1"/>
+                          </a:gs>
+                          <a:gs pos="30000">
+                            <a:schemeClr val="tx1"/>
+                          </a:gs>
+                        </a:gsLst>
+                        <a:lin ang="5400000" scaled="0"/>
+                      </a:gradFill>
+                      <a:latin typeface="Times New Roman" panose="02020603050405020304" pitchFamily="18" charset="0"/>
+                      <a:cs typeface="Times New Roman" panose="02020603050405020304" pitchFamily="18" charset="0"/>
+                    </a:rPr>
+                    <a:t> + HARDROC(ASIC), </a:t>
+                  </a:r>
+                  <a14:m>
+                    <m:oMath xmlns:m="http://schemas.openxmlformats.org/officeDocument/2006/math">
+                      <m:r>
+                        <a:rPr lang="en-US" altLang="zh-CN" sz="1600" i="1">
+                          <a:gradFill>
+                            <a:gsLst>
+                              <a:gs pos="2917">
+                                <a:schemeClr val="tx1"/>
+                              </a:gs>
+                              <a:gs pos="30000">
+                                <a:schemeClr val="tx1"/>
+                              </a:gs>
+                            </a:gsLst>
+                            <a:lin ang="5400000" scaled="0"/>
+                          </a:gradFill>
+                          <a:latin typeface="Cambria Math" panose="02040503050406030204" pitchFamily="18" charset="0"/>
+                          <a:cs typeface="Times New Roman" panose="02020603050405020304" pitchFamily="18" charset="0"/>
+                        </a:rPr>
+                        <m:t>4</m:t>
+                      </m:r>
+                      <m:r>
+                        <a:rPr lang="en-US" altLang="zh-CN" sz="1600" i="1">
+                          <a:gradFill>
+                            <a:gsLst>
+                              <a:gs pos="2917">
+                                <a:schemeClr val="tx1"/>
+                              </a:gs>
+                              <a:gs pos="30000">
+                                <a:schemeClr val="tx1"/>
+                              </a:gs>
+                            </a:gsLst>
+                            <a:lin ang="5400000" scaled="0"/>
+                          </a:gradFill>
+                          <a:latin typeface="Cambria Math" panose="02040503050406030204" pitchFamily="18" charset="0"/>
+                          <a:ea typeface="Cambria Math" panose="02040503050406030204" pitchFamily="18" charset="0"/>
+                          <a:cs typeface="Times New Roman" panose="02020603050405020304" pitchFamily="18" charset="0"/>
+                        </a:rPr>
+                        <m:t>×</m:t>
+                      </m:r>
+                      <m:sSup>
+                        <m:sSupPr>
+                          <m:ctrlPr>
+                            <a:rPr lang="en-US" altLang="zh-CN" sz="1600" i="1">
+                              <a:gradFill>
+                                <a:gsLst>
+                                  <a:gs pos="2917">
+                                    <a:schemeClr val="tx1"/>
+                                  </a:gs>
+                                  <a:gs pos="30000">
+                                    <a:schemeClr val="tx1"/>
+                                  </a:gs>
+                                </a:gsLst>
+                                <a:lin ang="5400000" scaled="0"/>
+                              </a:gradFill>
+                              <a:latin typeface="Cambria Math" panose="02040503050406030204" pitchFamily="18" charset="0"/>
+                              <a:ea typeface="Cambria Math" panose="02040503050406030204" pitchFamily="18" charset="0"/>
+                              <a:cs typeface="Times New Roman" panose="02020603050405020304" pitchFamily="18" charset="0"/>
+                            </a:rPr>
+                          </m:ctrlPr>
+                        </m:sSupPr>
+                        <m:e>
+                          <m:r>
+                            <a:rPr lang="en-US" altLang="zh-CN" sz="1600" i="1">
+                              <a:gradFill>
+                                <a:gsLst>
+                                  <a:gs pos="2917">
+                                    <a:schemeClr val="tx1"/>
+                                  </a:gs>
+                                  <a:gs pos="30000">
+                                    <a:schemeClr val="tx1"/>
+                                  </a:gs>
+                                </a:gsLst>
+                                <a:lin ang="5400000" scaled="0"/>
+                              </a:gradFill>
+                              <a:latin typeface="Cambria Math" panose="02040503050406030204" pitchFamily="18" charset="0"/>
+                              <a:ea typeface="Cambria Math" panose="02040503050406030204" pitchFamily="18" charset="0"/>
+                              <a:cs typeface="Times New Roman" panose="02020603050405020304" pitchFamily="18" charset="0"/>
+                            </a:rPr>
+                            <m:t>10</m:t>
+                          </m:r>
+                        </m:e>
+                        <m:sup>
+                          <m:r>
+                            <a:rPr lang="en-US" altLang="zh-CN" sz="1600" i="1">
+                              <a:gradFill>
+                                <a:gsLst>
+                                  <a:gs pos="2917">
+                                    <a:schemeClr val="tx1"/>
+                                  </a:gs>
+                                  <a:gs pos="30000">
+                                    <a:schemeClr val="tx1"/>
+                                  </a:gs>
+                                </a:gsLst>
+                                <a:lin ang="5400000" scaled="0"/>
+                              </a:gradFill>
+                              <a:latin typeface="Cambria Math" panose="02040503050406030204" pitchFamily="18" charset="0"/>
+                              <a:ea typeface="Cambria Math" panose="02040503050406030204" pitchFamily="18" charset="0"/>
+                              <a:cs typeface="Times New Roman" panose="02020603050405020304" pitchFamily="18" charset="0"/>
+                            </a:rPr>
+                            <m:t>5</m:t>
+                          </m:r>
+                        </m:sup>
+                      </m:sSup>
+                    </m:oMath>
+                  </a14:m>
+                  <a:r>
+                    <a:rPr lang="en-US" altLang="zh-CN" sz="1600" dirty="0">
+                      <a:gradFill>
+                        <a:gsLst>
+                          <a:gs pos="2917">
+                            <a:schemeClr val="tx1"/>
+                          </a:gs>
+                          <a:gs pos="30000">
+                            <a:schemeClr val="tx1"/>
+                          </a:gs>
+                        </a:gsLst>
+                        <a:lin ang="5400000" scaled="0"/>
+                      </a:gradFill>
+                      <a:latin typeface="Times New Roman" panose="02020603050405020304" pitchFamily="18" charset="0"/>
+                      <a:ea typeface="Cambria Math" panose="02040503050406030204" pitchFamily="18" charset="0"/>
+                      <a:cs typeface="Times New Roman" panose="02020603050405020304" pitchFamily="18" charset="0"/>
+                    </a:rPr>
+                    <a:t> </a:t>
+                  </a:r>
+                  <a:r>
+                    <a:rPr lang="en-US" altLang="zh-CN" sz="1600" dirty="0" smtClean="0">
+                      <a:gradFill>
+                        <a:gsLst>
+                          <a:gs pos="2917">
+                            <a:schemeClr val="tx1"/>
+                          </a:gs>
+                          <a:gs pos="30000">
+                            <a:schemeClr val="tx1"/>
+                          </a:gs>
+                        </a:gsLst>
+                        <a:lin ang="5400000" scaled="0"/>
+                      </a:gradFill>
+                      <a:latin typeface="Times New Roman" panose="02020603050405020304" pitchFamily="18" charset="0"/>
+                      <a:ea typeface="Cambria Math" panose="02040503050406030204" pitchFamily="18" charset="0"/>
+                      <a:cs typeface="Times New Roman" panose="02020603050405020304" pitchFamily="18" charset="0"/>
+                    </a:rPr>
+                    <a:t>chn/m</a:t>
+                  </a:r>
+                  <a:r>
+                    <a:rPr lang="en-US" altLang="zh-CN" sz="1600" baseline="30000" dirty="0" smtClean="0">
+                      <a:gradFill>
+                        <a:gsLst>
+                          <a:gs pos="2917">
+                            <a:schemeClr val="tx1"/>
+                          </a:gs>
+                          <a:gs pos="30000">
+                            <a:schemeClr val="tx1"/>
+                          </a:gs>
+                        </a:gsLst>
+                        <a:lin ang="5400000" scaled="0"/>
+                      </a:gradFill>
+                      <a:latin typeface="Times New Roman" panose="02020603050405020304" pitchFamily="18" charset="0"/>
+                      <a:ea typeface="Cambria Math" panose="02040503050406030204" pitchFamily="18" charset="0"/>
+                      <a:cs typeface="Times New Roman" panose="02020603050405020304" pitchFamily="18" charset="0"/>
+                    </a:rPr>
+                    <a:t>3</a:t>
+                  </a:r>
+                </a:p>
+                <a:p>
+                  <a:pPr marL="285750" indent="-285750">
+                    <a:buFont typeface="Arial" panose="020B0604020202020204" pitchFamily="34" charset="0"/>
+                    <a:buChar char="•"/>
+                  </a:pPr>
+                  <a:r>
+                    <a:rPr lang="en-US" altLang="zh-CN" sz="1600" dirty="0">
+                      <a:solidFill>
+                        <a:srgbClr val="0070C0"/>
+                      </a:solidFill>
+                    </a:rPr>
+                    <a:t>A more </a:t>
+                  </a:r>
+                  <a:r>
+                    <a:rPr lang="en-US" altLang="zh-CN" sz="1600" dirty="0" smtClean="0">
+                      <a:solidFill>
+                        <a:srgbClr val="0070C0"/>
+                      </a:solidFill>
+                    </a:rPr>
+                    <a:t>general calorimeter </a:t>
+                  </a:r>
+                  <a:r>
+                    <a:rPr lang="en-US" altLang="zh-CN" sz="1600" dirty="0">
+                      <a:solidFill>
+                        <a:srgbClr val="0070C0"/>
+                      </a:solidFill>
+                    </a:rPr>
+                    <a:t>with multi-threshold readout (e.g. 3 thresholds) is therefore also </a:t>
+                  </a:r>
+                  <a:r>
+                    <a:rPr lang="en-US" altLang="zh-CN" sz="1600" dirty="0" smtClean="0">
+                      <a:solidFill>
+                        <a:srgbClr val="0070C0"/>
+                      </a:solidFill>
+                    </a:rPr>
+                    <a:t>considered, a </a:t>
+                  </a:r>
+                  <a:r>
+                    <a:rPr lang="en-US" altLang="zh-CN" sz="1600" dirty="0">
+                      <a:solidFill>
+                        <a:srgbClr val="0070C0"/>
+                      </a:solidFill>
+                    </a:rPr>
+                    <a:t>so-called Semi-Digital Hadron Calorimeter (SDHCAL</a:t>
+                  </a:r>
+                  <a:r>
+                    <a:rPr lang="en-US" altLang="zh-CN" sz="1600" dirty="0" smtClean="0">
+                      <a:solidFill>
+                        <a:srgbClr val="0070C0"/>
+                      </a:solidFill>
+                    </a:rPr>
+                    <a:t>).</a:t>
+                  </a:r>
+                </a:p>
+                <a:p>
+                  <a:pPr marL="285750" indent="-285750">
+                    <a:buFont typeface="Arial" panose="020B0604020202020204" pitchFamily="34" charset="0"/>
+                    <a:buChar char="•"/>
+                  </a:pPr>
+                  <a:r>
+                    <a:rPr lang="en-US" altLang="zh-CN" sz="1600" dirty="0" smtClean="0">
+                      <a:solidFill>
+                        <a:srgbClr val="FF0000"/>
+                      </a:solidFill>
+                      <a:latin typeface="Times New Roman" panose="02020603050405020304" pitchFamily="18" charset="0"/>
+                      <a:cs typeface="Times New Roman" panose="02020603050405020304" pitchFamily="18" charset="0"/>
+                    </a:rPr>
+                    <a:t>A balanced choice for CEPC HCAL</a:t>
+                  </a:r>
+                  <a:endParaRPr lang="zh-CN" altLang="en-US" sz="1600" dirty="0" err="1" smtClean="0">
+                    <a:solidFill>
+                      <a:srgbClr val="FF0000"/>
+                    </a:solidFill>
+                    <a:latin typeface="Times New Roman" panose="02020603050405020304" pitchFamily="18" charset="0"/>
+                    <a:cs typeface="Times New Roman" panose="02020603050405020304" pitchFamily="18" charset="0"/>
+                  </a:endParaRPr>
+                </a:p>
+              </p:txBody>
+            </p:sp>
+          </mc:Choice>
+          <mc:Fallback>
+            <p:sp>
+              <p:nvSpPr>
+                <p:cNvPr id="13" name="文本框 12"/>
+                <p:cNvSpPr txBox="1">
+                  <a:spLocks noRot="1" noChangeAspect="1" noMove="1" noResize="1" noEditPoints="1" noAdjustHandles="1" noChangeArrowheads="1" noChangeShapeType="1" noTextEdit="1"/>
+                </p:cNvSpPr>
+                <p:nvPr/>
+              </p:nvSpPr>
+              <p:spPr>
+                <a:xfrm>
+                  <a:off x="2271635" y="6139362"/>
+                  <a:ext cx="6670987" cy="1581459"/>
+                </a:xfrm>
+                <a:prstGeom prst="rect">
+                  <a:avLst/>
+                </a:prstGeom>
+                <a:blipFill rotWithShape="0">
+                  <a:blip r:embed="rId3"/>
+                  <a:stretch>
+                    <a:fillRect/>
+                  </a:stretch>
+                </a:blipFill>
+              </p:spPr>
+              <p:txBody>
+                <a:bodyPr/>
+                <a:lstStyle/>
+                <a:p>
+                  <a:r>
+                    <a:rPr lang="zh-CN" altLang="en-US">
+                      <a:noFill/>
+                    </a:rPr>
+                    <a:t> </a:t>
+                  </a:r>
+                </a:p>
+              </p:txBody>
+            </p:sp>
+          </mc:Fallback>
+        </mc:AlternateContent>
+        <p:sp>
+          <p:nvSpPr>
+            <p:cNvPr id="14" name="文本框 13"/>
+            <p:cNvSpPr txBox="1"/>
+            <p:nvPr/>
+          </p:nvSpPr>
+          <p:spPr>
+            <a:xfrm>
+              <a:off x="4851096" y="2618474"/>
+              <a:ext cx="4271041" cy="1037207"/>
+            </a:xfrm>
+            <a:prstGeom prst="rect">
+              <a:avLst/>
+            </a:prstGeom>
+            <a:noFill/>
+          </p:spPr>
+          <p:txBody>
+            <a:bodyPr wrap="none" lIns="182880" tIns="146304" rIns="182880" bIns="146304" rtlCol="0">
+              <a:spAutoFit/>
+            </a:bodyPr>
+            <a:lstStyle/>
+            <a:p>
+              <a:pPr>
+                <a:lnSpc>
+                  <a:spcPct val="90000"/>
+                </a:lnSpc>
+                <a:spcAft>
+                  <a:spcPts val="600"/>
+                </a:spcAft>
+              </a:pPr>
+              <a:r>
+                <a:rPr lang="en-US" altLang="zh-CN" sz="2400" dirty="0" smtClean="0">
+                  <a:gradFill>
+                    <a:gsLst>
+                      <a:gs pos="2917">
+                        <a:schemeClr val="tx1"/>
+                      </a:gs>
+                      <a:gs pos="30000">
+                        <a:schemeClr val="tx1"/>
+                      </a:gs>
+                    </a:gsLst>
+                    <a:lin ang="5400000" scaled="0"/>
+                  </a:gradFill>
+                  <a:latin typeface="Times New Roman" panose="02020603050405020304" pitchFamily="18" charset="0"/>
+                  <a:cs typeface="Times New Roman" panose="02020603050405020304" pitchFamily="18" charset="0"/>
+                </a:rPr>
+                <a:t>Absorber: </a:t>
+              </a:r>
+              <a:r>
+                <a:rPr lang="en-US" altLang="zh-CN" sz="2400" dirty="0" smtClean="0">
+                  <a:solidFill>
+                    <a:srgbClr val="0070C0"/>
+                  </a:solidFill>
+                  <a:latin typeface="Times New Roman" panose="02020603050405020304" pitchFamily="18" charset="0"/>
+                  <a:cs typeface="Times New Roman" panose="02020603050405020304" pitchFamily="18" charset="0"/>
+                </a:rPr>
+                <a:t>steel</a:t>
+              </a:r>
+            </a:p>
+            <a:p>
+              <a:pPr>
+                <a:lnSpc>
+                  <a:spcPct val="90000"/>
+                </a:lnSpc>
+                <a:spcAft>
+                  <a:spcPts val="600"/>
+                </a:spcAft>
+              </a:pPr>
+              <a:r>
+                <a:rPr lang="en-US" altLang="zh-CN" sz="2400" dirty="0" smtClean="0">
+                  <a:gradFill>
+                    <a:gsLst>
+                      <a:gs pos="2917">
+                        <a:schemeClr val="tx1"/>
+                      </a:gs>
+                      <a:gs pos="30000">
+                        <a:schemeClr val="tx1"/>
+                      </a:gs>
+                    </a:gsLst>
+                    <a:lin ang="5400000" scaled="0"/>
+                  </a:gradFill>
+                  <a:latin typeface="Times New Roman" panose="02020603050405020304" pitchFamily="18" charset="0"/>
+                  <a:cs typeface="Times New Roman" panose="02020603050405020304" pitchFamily="18" charset="0"/>
+                </a:rPr>
+                <a:t>Active layers: </a:t>
+              </a:r>
+              <a:r>
+                <a:rPr lang="en-US" altLang="zh-CN" sz="2400" dirty="0" smtClean="0">
+                  <a:solidFill>
+                    <a:srgbClr val="0070C0"/>
+                  </a:solidFill>
+                  <a:latin typeface="Times New Roman" panose="02020603050405020304" pitchFamily="18" charset="0"/>
+                  <a:cs typeface="Times New Roman" panose="02020603050405020304" pitchFamily="18" charset="0"/>
+                </a:rPr>
+                <a:t>Gaseous detector</a:t>
+              </a:r>
+              <a:endParaRPr lang="zh-CN" altLang="en-US" sz="2400" dirty="0" err="1" smtClean="0">
+                <a:solidFill>
+                  <a:srgbClr val="0070C0"/>
+                </a:solidFill>
+                <a:latin typeface="Times New Roman" panose="02020603050405020304" pitchFamily="18" charset="0"/>
+                <a:cs typeface="Times New Roman" panose="02020603050405020304" pitchFamily="18" charset="0"/>
+              </a:endParaRPr>
+            </a:p>
+          </p:txBody>
+        </p:sp>
+      </p:grpSp>
+    </p:spTree>
+    <p:extLst>
+      <p:ext uri="{BB962C8B-B14F-4D97-AF65-F5344CB8AC3E}">
+        <p14:creationId xmlns:p14="http://schemas.microsoft.com/office/powerpoint/2010/main" val="2545045704"/>
+      </p:ext>
+    </p:extLst>
+  </p:cSld>
+  <p:clrMapOvr>
+    <a:masterClrMapping/>
+  </p:clrMapOvr>
+  <p:timing>
+    <p:tnLst>
+      <p:par>
+        <p:cTn id="1" dur="indefinite" restart="never" nodeType="tmRoot"/>
+      </p:par>
+    </p:tnLst>
+  </p:timing>
+</p:sld>
+</file>
+
+<file path=ppt/slides/slide8.xml><?xml version="1.0" encoding="utf-8"?>
+<p:sld xmlns:a="http://schemas.openxmlformats.org/drawingml/2006/main" xmlns:r="http://schemas.openxmlformats.org/officeDocument/2006/relationships" xmlns:p="http://schemas.openxmlformats.org/presentationml/2006/main">
+  <p:cSld>
+    <p:spTree>
+      <p:nvGrpSpPr>
+        <p:cNvPr id="1" name=""/>
+        <p:cNvGrpSpPr/>
+        <p:nvPr/>
+      </p:nvGrpSpPr>
+      <p:grpSpPr>
+        <a:xfrm>
+          <a:off x="0" y="0"/>
+          <a:ext cx="0" cy="0"/>
+          <a:chOff x="0" y="0"/>
+          <a:chExt cx="0" cy="0"/>
+        </a:xfrm>
+      </p:grpSpPr>
+      <p:sp>
+        <p:nvSpPr>
+          <p:cNvPr id="2" name="标题 1"/>
+          <p:cNvSpPr>
+            <a:spLocks noGrp="1"/>
+          </p:cNvSpPr>
+          <p:nvPr>
+            <p:ph type="title"/>
+          </p:nvPr>
+        </p:nvSpPr>
+        <p:spPr/>
+        <p:txBody>
+          <a:bodyPr/>
+          <a:lstStyle/>
+          <a:p>
+            <a:r>
+              <a:rPr lang="en-US" altLang="zh-CN" dirty="0" smtClean="0"/>
+              <a:t>USTC SDHCAL</a:t>
+            </a:r>
+            <a:endParaRPr lang="zh-CN" altLang="en-US" dirty="0"/>
+          </a:p>
+        </p:txBody>
+      </p:sp>
+      <p:pic>
+        <p:nvPicPr>
+          <p:cNvPr id="4" name="图片 3"/>
+          <p:cNvPicPr>
+            <a:picLocks noChangeAspect="1"/>
+          </p:cNvPicPr>
+          <p:nvPr/>
+        </p:nvPicPr>
+        <p:blipFill>
+          <a:blip r:embed="rId2"/>
+          <a:stretch>
+            <a:fillRect/>
+          </a:stretch>
+        </p:blipFill>
+        <p:spPr>
+          <a:xfrm>
+            <a:off x="77086" y="2267479"/>
+            <a:ext cx="4132749" cy="3717009"/>
+          </a:xfrm>
+          <a:prstGeom prst="rect">
+            <a:avLst/>
+          </a:prstGeom>
+        </p:spPr>
+      </p:pic>
+      <p:sp>
+        <p:nvSpPr>
+          <p:cNvPr id="6" name="文本框 4"/>
+          <p:cNvSpPr txBox="1"/>
+          <p:nvPr/>
+        </p:nvSpPr>
+        <p:spPr>
+          <a:xfrm>
+            <a:off x="273372" y="1347137"/>
+            <a:ext cx="4052884" cy="549672"/>
+          </a:xfrm>
+          <a:prstGeom prst="rect">
+            <a:avLst/>
+          </a:prstGeom>
+          <a:noFill/>
+        </p:spPr>
+        <p:txBody>
+          <a:bodyPr wrap="none" lIns="134483" tIns="107586" rIns="134483" bIns="107586" rtlCol="0">
+            <a:spAutoFit/>
+          </a:bodyPr>
+          <a:lstStyle>
+            <a:defPPr>
+              <a:defRPr lang="zh-CN"/>
+            </a:defPPr>
+            <a:lvl1pPr marL="0" algn="l" defTabSz="914400" rtl="0" eaLnBrk="1" latinLnBrk="0" hangingPunct="1">
+              <a:defRPr sz="1800" kern="1200">
+                <a:solidFill>
+                  <a:schemeClr val="tx1"/>
+                </a:solidFill>
+                <a:latin typeface="+mn-lt"/>
+                <a:ea typeface="+mn-ea"/>
+                <a:cs typeface="+mn-cs"/>
+              </a:defRPr>
+            </a:lvl1pPr>
+            <a:lvl2pPr marL="457200" algn="l" defTabSz="914400" rtl="0" eaLnBrk="1" latinLnBrk="0" hangingPunct="1">
+              <a:defRPr sz="1800" kern="1200">
+                <a:solidFill>
+                  <a:schemeClr val="tx1"/>
+                </a:solidFill>
+                <a:latin typeface="+mn-lt"/>
+                <a:ea typeface="+mn-ea"/>
+                <a:cs typeface="+mn-cs"/>
+              </a:defRPr>
+            </a:lvl2pPr>
+            <a:lvl3pPr marL="914400" algn="l" defTabSz="914400" rtl="0" eaLnBrk="1" latinLnBrk="0" hangingPunct="1">
+              <a:defRPr sz="1800" kern="1200">
+                <a:solidFill>
+                  <a:schemeClr val="tx1"/>
+                </a:solidFill>
+                <a:latin typeface="+mn-lt"/>
+                <a:ea typeface="+mn-ea"/>
+                <a:cs typeface="+mn-cs"/>
+              </a:defRPr>
+            </a:lvl3pPr>
+            <a:lvl4pPr marL="1371600" algn="l" defTabSz="914400" rtl="0" eaLnBrk="1" latinLnBrk="0" hangingPunct="1">
+              <a:defRPr sz="1800" kern="1200">
+                <a:solidFill>
+                  <a:schemeClr val="tx1"/>
+                </a:solidFill>
+                <a:latin typeface="+mn-lt"/>
+                <a:ea typeface="+mn-ea"/>
+                <a:cs typeface="+mn-cs"/>
+              </a:defRPr>
+            </a:lvl4pPr>
+            <a:lvl5pPr marL="1828800" algn="l" defTabSz="914400" rtl="0" eaLnBrk="1" latinLnBrk="0" hangingPunct="1">
+              <a:defRPr sz="1800" kern="1200">
+                <a:solidFill>
+                  <a:schemeClr val="tx1"/>
+                </a:solidFill>
+                <a:latin typeface="+mn-lt"/>
+                <a:ea typeface="+mn-ea"/>
+                <a:cs typeface="+mn-cs"/>
+              </a:defRPr>
+            </a:lvl5pPr>
+            <a:lvl6pPr marL="2286000" algn="l" defTabSz="914400" rtl="0" eaLnBrk="1" latinLnBrk="0" hangingPunct="1">
+              <a:defRPr sz="1800" kern="1200">
+                <a:solidFill>
+                  <a:schemeClr val="tx1"/>
+                </a:solidFill>
+                <a:latin typeface="+mn-lt"/>
+                <a:ea typeface="+mn-ea"/>
+                <a:cs typeface="+mn-cs"/>
+              </a:defRPr>
+            </a:lvl6pPr>
+            <a:lvl7pPr marL="2743200" algn="l" defTabSz="914400" rtl="0" eaLnBrk="1" latinLnBrk="0" hangingPunct="1">
+              <a:defRPr sz="1800" kern="1200">
+                <a:solidFill>
+                  <a:schemeClr val="tx1"/>
+                </a:solidFill>
+                <a:latin typeface="+mn-lt"/>
+                <a:ea typeface="+mn-ea"/>
+                <a:cs typeface="+mn-cs"/>
+              </a:defRPr>
+            </a:lvl7pPr>
+            <a:lvl8pPr marL="3200400" algn="l" defTabSz="914400" rtl="0" eaLnBrk="1" latinLnBrk="0" hangingPunct="1">
+              <a:defRPr sz="1800" kern="1200">
+                <a:solidFill>
+                  <a:schemeClr val="tx1"/>
+                </a:solidFill>
+                <a:latin typeface="+mn-lt"/>
+                <a:ea typeface="+mn-ea"/>
+                <a:cs typeface="+mn-cs"/>
+              </a:defRPr>
+            </a:lvl8pPr>
+            <a:lvl9pPr marL="3657600" algn="l" defTabSz="914400" rtl="0" eaLnBrk="1" latinLnBrk="0" hangingPunct="1">
+              <a:defRPr sz="1800" kern="1200">
+                <a:solidFill>
+                  <a:schemeClr val="tx1"/>
+                </a:solidFill>
+                <a:latin typeface="+mn-lt"/>
+                <a:ea typeface="+mn-ea"/>
+                <a:cs typeface="+mn-cs"/>
+              </a:defRPr>
+            </a:lvl9pPr>
+          </a:lstStyle>
+          <a:p>
+            <a:pPr>
+              <a:lnSpc>
+                <a:spcPct val="90000"/>
+              </a:lnSpc>
+              <a:spcAft>
+                <a:spcPts val="441"/>
+              </a:spcAft>
+            </a:pPr>
+            <a:r>
+              <a:rPr lang="en-US" altLang="zh-CN" sz="2400" dirty="0">
+                <a:solidFill>
+                  <a:srgbClr val="00B0F0"/>
+                </a:solidFill>
+                <a:latin typeface="Times New Roman" panose="02020603050405020304" pitchFamily="18" charset="0"/>
+                <a:cs typeface="Times New Roman" panose="02020603050405020304" pitchFamily="18" charset="0"/>
+              </a:rPr>
+              <a:t>A</a:t>
+            </a:r>
+            <a:r>
+              <a:rPr lang="en-US" altLang="zh-CN" sz="2400" dirty="0" smtClean="0">
+                <a:solidFill>
+                  <a:srgbClr val="00B0F0"/>
+                </a:solidFill>
+                <a:latin typeface="Times New Roman" panose="02020603050405020304" pitchFamily="18" charset="0"/>
+                <a:cs typeface="Times New Roman" panose="02020603050405020304" pitchFamily="18" charset="0"/>
+              </a:rPr>
+              <a:t>rchitectural of the SDHCAL </a:t>
+            </a:r>
+            <a:endParaRPr lang="zh-CN" altLang="en-US" sz="2400" dirty="0" err="1">
+              <a:solidFill>
+                <a:srgbClr val="00B0F0"/>
+              </a:solidFill>
+              <a:latin typeface="Times New Roman" panose="02020603050405020304" pitchFamily="18" charset="0"/>
+              <a:cs typeface="Times New Roman" panose="02020603050405020304" pitchFamily="18" charset="0"/>
+            </a:endParaRPr>
+          </a:p>
+        </p:txBody>
+      </p:sp>
+      <p:sp>
+        <p:nvSpPr>
+          <p:cNvPr id="7" name="文本框 5"/>
+          <p:cNvSpPr txBox="1"/>
+          <p:nvPr/>
+        </p:nvSpPr>
+        <p:spPr>
+          <a:xfrm>
+            <a:off x="4622377" y="1356872"/>
+            <a:ext cx="4146227" cy="771271"/>
+          </a:xfrm>
+          <a:prstGeom prst="rect">
+            <a:avLst/>
+          </a:prstGeom>
+          <a:noFill/>
+        </p:spPr>
+        <p:txBody>
+          <a:bodyPr wrap="square" lIns="134483" tIns="107586" rIns="134483" bIns="107586" rtlCol="0">
+            <a:spAutoFit/>
+          </a:bodyPr>
+          <a:lstStyle>
+            <a:defPPr>
+              <a:defRPr lang="zh-CN"/>
+            </a:defPPr>
+            <a:lvl1pPr marL="0" algn="l" defTabSz="914400" rtl="0" eaLnBrk="1" latinLnBrk="0" hangingPunct="1">
+              <a:defRPr sz="1800" kern="1200">
+                <a:solidFill>
+                  <a:schemeClr val="tx1"/>
+                </a:solidFill>
+                <a:latin typeface="+mn-lt"/>
+                <a:ea typeface="+mn-ea"/>
+                <a:cs typeface="+mn-cs"/>
+              </a:defRPr>
+            </a:lvl1pPr>
+            <a:lvl2pPr marL="457200" algn="l" defTabSz="914400" rtl="0" eaLnBrk="1" latinLnBrk="0" hangingPunct="1">
+              <a:defRPr sz="1800" kern="1200">
+                <a:solidFill>
+                  <a:schemeClr val="tx1"/>
+                </a:solidFill>
+                <a:latin typeface="+mn-lt"/>
+                <a:ea typeface="+mn-ea"/>
+                <a:cs typeface="+mn-cs"/>
+              </a:defRPr>
+            </a:lvl2pPr>
+            <a:lvl3pPr marL="914400" algn="l" defTabSz="914400" rtl="0" eaLnBrk="1" latinLnBrk="0" hangingPunct="1">
+              <a:defRPr sz="1800" kern="1200">
+                <a:solidFill>
+                  <a:schemeClr val="tx1"/>
+                </a:solidFill>
+                <a:latin typeface="+mn-lt"/>
+                <a:ea typeface="+mn-ea"/>
+                <a:cs typeface="+mn-cs"/>
+              </a:defRPr>
+            </a:lvl3pPr>
+            <a:lvl4pPr marL="1371600" algn="l" defTabSz="914400" rtl="0" eaLnBrk="1" latinLnBrk="0" hangingPunct="1">
+              <a:defRPr sz="1800" kern="1200">
+                <a:solidFill>
+                  <a:schemeClr val="tx1"/>
+                </a:solidFill>
+                <a:latin typeface="+mn-lt"/>
+                <a:ea typeface="+mn-ea"/>
+                <a:cs typeface="+mn-cs"/>
+              </a:defRPr>
+            </a:lvl4pPr>
+            <a:lvl5pPr marL="1828800" algn="l" defTabSz="914400" rtl="0" eaLnBrk="1" latinLnBrk="0" hangingPunct="1">
+              <a:defRPr sz="1800" kern="1200">
+                <a:solidFill>
+                  <a:schemeClr val="tx1"/>
+                </a:solidFill>
+                <a:latin typeface="+mn-lt"/>
+                <a:ea typeface="+mn-ea"/>
+                <a:cs typeface="+mn-cs"/>
+              </a:defRPr>
+            </a:lvl5pPr>
+            <a:lvl6pPr marL="2286000" algn="l" defTabSz="914400" rtl="0" eaLnBrk="1" latinLnBrk="0" hangingPunct="1">
+              <a:defRPr sz="1800" kern="1200">
+                <a:solidFill>
+                  <a:schemeClr val="tx1"/>
+                </a:solidFill>
+                <a:latin typeface="+mn-lt"/>
+                <a:ea typeface="+mn-ea"/>
+                <a:cs typeface="+mn-cs"/>
+              </a:defRPr>
+            </a:lvl6pPr>
+            <a:lvl7pPr marL="2743200" algn="l" defTabSz="914400" rtl="0" eaLnBrk="1" latinLnBrk="0" hangingPunct="1">
+              <a:defRPr sz="1800" kern="1200">
+                <a:solidFill>
+                  <a:schemeClr val="tx1"/>
+                </a:solidFill>
+                <a:latin typeface="+mn-lt"/>
+                <a:ea typeface="+mn-ea"/>
+                <a:cs typeface="+mn-cs"/>
+              </a:defRPr>
+            </a:lvl7pPr>
+            <a:lvl8pPr marL="3200400" algn="l" defTabSz="914400" rtl="0" eaLnBrk="1" latinLnBrk="0" hangingPunct="1">
+              <a:defRPr sz="1800" kern="1200">
+                <a:solidFill>
+                  <a:schemeClr val="tx1"/>
+                </a:solidFill>
+                <a:latin typeface="+mn-lt"/>
+                <a:ea typeface="+mn-ea"/>
+                <a:cs typeface="+mn-cs"/>
+              </a:defRPr>
+            </a:lvl8pPr>
+            <a:lvl9pPr marL="3657600" algn="l" defTabSz="914400" rtl="0" eaLnBrk="1" latinLnBrk="0" hangingPunct="1">
+              <a:defRPr sz="1800" kern="1200">
+                <a:solidFill>
+                  <a:schemeClr val="tx1"/>
+                </a:solidFill>
+                <a:latin typeface="+mn-lt"/>
+                <a:ea typeface="+mn-ea"/>
+                <a:cs typeface="+mn-cs"/>
+              </a:defRPr>
+            </a:lvl9pPr>
+          </a:lstStyle>
+          <a:p>
+            <a:pPr>
+              <a:lnSpc>
+                <a:spcPct val="90000"/>
+              </a:lnSpc>
+              <a:spcAft>
+                <a:spcPts val="441"/>
+              </a:spcAft>
+            </a:pPr>
+            <a:r>
+              <a:rPr lang="en-US" altLang="zh-CN" sz="2000" dirty="0" smtClean="0">
+                <a:solidFill>
+                  <a:srgbClr val="00B0F0"/>
+                </a:solidFill>
+                <a:latin typeface="Times New Roman" panose="02020603050405020304" pitchFamily="18" charset="0"/>
+                <a:cs typeface="Times New Roman" panose="02020603050405020304" pitchFamily="18" charset="0"/>
+              </a:rPr>
+              <a:t>A scheme of the ASU used to readout 1m</a:t>
+            </a:r>
+            <a:r>
+              <a:rPr lang="en-US" altLang="zh-CN" sz="2000" baseline="30000" dirty="0" smtClean="0">
+                <a:solidFill>
+                  <a:srgbClr val="00B0F0"/>
+                </a:solidFill>
+                <a:latin typeface="Times New Roman" panose="02020603050405020304" pitchFamily="18" charset="0"/>
+                <a:cs typeface="Times New Roman" panose="02020603050405020304" pitchFamily="18" charset="0"/>
+              </a:rPr>
+              <a:t>2</a:t>
+            </a:r>
+            <a:r>
+              <a:rPr lang="en-US" altLang="zh-CN" sz="2000" dirty="0">
+                <a:solidFill>
+                  <a:srgbClr val="00B0F0"/>
+                </a:solidFill>
+                <a:latin typeface="Times New Roman" panose="02020603050405020304" pitchFamily="18" charset="0"/>
+                <a:cs typeface="Times New Roman" panose="02020603050405020304" pitchFamily="18" charset="0"/>
+              </a:rPr>
+              <a:t> </a:t>
+            </a:r>
+            <a:r>
+              <a:rPr lang="en-US" altLang="zh-CN" sz="2000" dirty="0" smtClean="0">
+                <a:solidFill>
+                  <a:srgbClr val="00B0F0"/>
+                </a:solidFill>
+                <a:latin typeface="Times New Roman" panose="02020603050405020304" pitchFamily="18" charset="0"/>
+                <a:cs typeface="Times New Roman" panose="02020603050405020304" pitchFamily="18" charset="0"/>
+              </a:rPr>
+              <a:t>detector</a:t>
+            </a:r>
+            <a:endParaRPr lang="zh-CN" altLang="en-US" sz="2000" baseline="30000" dirty="0" err="1">
+              <a:solidFill>
+                <a:srgbClr val="00B0F0"/>
+              </a:solidFill>
+              <a:latin typeface="Times New Roman" panose="02020603050405020304" pitchFamily="18" charset="0"/>
+              <a:cs typeface="Times New Roman" panose="02020603050405020304" pitchFamily="18" charset="0"/>
+            </a:endParaRPr>
+          </a:p>
+        </p:txBody>
+      </p:sp>
+      <p:sp>
+        <p:nvSpPr>
+          <p:cNvPr id="8" name="文本框 7"/>
+          <p:cNvSpPr txBox="1"/>
+          <p:nvPr/>
+        </p:nvSpPr>
+        <p:spPr>
+          <a:xfrm>
+            <a:off x="2252936" y="2232554"/>
+            <a:ext cx="1233479" cy="276999"/>
+          </a:xfrm>
+          <a:prstGeom prst="rect">
+            <a:avLst/>
+          </a:prstGeom>
+          <a:solidFill>
+            <a:schemeClr val="bg1"/>
+          </a:solidFill>
+        </p:spPr>
+        <p:txBody>
+          <a:bodyPr wrap="none" rtlCol="0">
+            <a:spAutoFit/>
+          </a:bodyPr>
+          <a:lstStyle/>
+          <a:p>
+            <a:r>
+              <a:rPr lang="en-US" altLang="zh-CN" sz="1200" dirty="0" smtClean="0">
+                <a:solidFill>
+                  <a:srgbClr val="7F7F7F"/>
+                </a:solidFill>
+                <a:latin typeface="Times New Roman" panose="02020603050405020304" pitchFamily="18" charset="0"/>
+                <a:cs typeface="Times New Roman" panose="02020603050405020304" pitchFamily="18" charset="0"/>
+              </a:rPr>
+              <a:t>Absorber(Fe, W)</a:t>
+            </a:r>
+            <a:endParaRPr lang="zh-CN" altLang="en-US" sz="1200" dirty="0">
+              <a:solidFill>
+                <a:srgbClr val="7F7F7F"/>
+              </a:solidFill>
+              <a:latin typeface="Times New Roman" panose="02020603050405020304" pitchFamily="18" charset="0"/>
+              <a:cs typeface="Times New Roman" panose="02020603050405020304" pitchFamily="18" charset="0"/>
+            </a:endParaRPr>
+          </a:p>
+        </p:txBody>
+      </p:sp>
+      <p:sp>
+        <p:nvSpPr>
+          <p:cNvPr id="9" name="文本框 8"/>
+          <p:cNvSpPr txBox="1"/>
+          <p:nvPr/>
+        </p:nvSpPr>
+        <p:spPr>
+          <a:xfrm>
+            <a:off x="2248607" y="2484153"/>
+            <a:ext cx="2241319" cy="307777"/>
+          </a:xfrm>
+          <a:prstGeom prst="rect">
+            <a:avLst/>
+          </a:prstGeom>
+          <a:solidFill>
+            <a:schemeClr val="bg1"/>
+          </a:solidFill>
+        </p:spPr>
+        <p:txBody>
+          <a:bodyPr wrap="none" rtlCol="0">
+            <a:spAutoFit/>
+          </a:bodyPr>
+          <a:lstStyle/>
+          <a:p>
+            <a:r>
+              <a:rPr lang="en-US" altLang="zh-CN" sz="1200" dirty="0" smtClean="0">
+                <a:solidFill>
+                  <a:srgbClr val="00B0F0"/>
+                </a:solidFill>
+                <a:latin typeface="Times New Roman" panose="02020603050405020304" pitchFamily="18" charset="0"/>
+                <a:cs typeface="Times New Roman" panose="02020603050405020304" pitchFamily="18" charset="0"/>
+              </a:rPr>
+              <a:t>Sensor(RPC,MM,GEMTHGEM</a:t>
+            </a:r>
+            <a:r>
+              <a:rPr lang="en-US" altLang="zh-CN" sz="1400" dirty="0" smtClean="0">
+                <a:solidFill>
+                  <a:srgbClr val="00B0F0"/>
+                </a:solidFill>
+                <a:latin typeface="Times New Roman" panose="02020603050405020304" pitchFamily="18" charset="0"/>
+                <a:cs typeface="Times New Roman" panose="02020603050405020304" pitchFamily="18" charset="0"/>
+              </a:rPr>
+              <a:t>)</a:t>
+            </a:r>
+            <a:endParaRPr lang="zh-CN" altLang="en-US" sz="1400" dirty="0">
+              <a:solidFill>
+                <a:srgbClr val="00B0F0"/>
+              </a:solidFill>
+              <a:latin typeface="Times New Roman" panose="02020603050405020304" pitchFamily="18" charset="0"/>
+              <a:cs typeface="Times New Roman" panose="02020603050405020304" pitchFamily="18" charset="0"/>
+            </a:endParaRPr>
+          </a:p>
+        </p:txBody>
+      </p:sp>
+      <p:sp>
+        <p:nvSpPr>
+          <p:cNvPr id="10" name="文本框 9"/>
+          <p:cNvSpPr txBox="1"/>
+          <p:nvPr/>
+        </p:nvSpPr>
+        <p:spPr>
+          <a:xfrm>
+            <a:off x="2271986" y="2756265"/>
+            <a:ext cx="474810" cy="276999"/>
+          </a:xfrm>
+          <a:prstGeom prst="rect">
+            <a:avLst/>
+          </a:prstGeom>
+          <a:solidFill>
+            <a:schemeClr val="bg1"/>
+          </a:solidFill>
+        </p:spPr>
+        <p:txBody>
+          <a:bodyPr wrap="none" rtlCol="0">
+            <a:spAutoFit/>
+          </a:bodyPr>
+          <a:lstStyle/>
+          <a:p>
+            <a:r>
+              <a:rPr lang="en-US" altLang="zh-CN" sz="1200" dirty="0" smtClean="0">
+                <a:solidFill>
+                  <a:srgbClr val="92D050"/>
+                </a:solidFill>
+                <a:latin typeface="Times New Roman" panose="02020603050405020304" pitchFamily="18" charset="0"/>
+                <a:cs typeface="Times New Roman" panose="02020603050405020304" pitchFamily="18" charset="0"/>
+              </a:rPr>
+              <a:t>PCB</a:t>
+            </a:r>
+            <a:endParaRPr lang="zh-CN" altLang="en-US" sz="1200" dirty="0">
+              <a:solidFill>
+                <a:srgbClr val="92D050"/>
+              </a:solidFill>
+              <a:latin typeface="Times New Roman" panose="02020603050405020304" pitchFamily="18" charset="0"/>
+              <a:cs typeface="Times New Roman" panose="02020603050405020304" pitchFamily="18" charset="0"/>
+            </a:endParaRPr>
+          </a:p>
+        </p:txBody>
+      </p:sp>
+      <p:pic>
+        <p:nvPicPr>
+          <p:cNvPr id="11" name="图片 10"/>
+          <p:cNvPicPr>
+            <a:picLocks noChangeAspect="1"/>
+          </p:cNvPicPr>
+          <p:nvPr/>
+        </p:nvPicPr>
+        <p:blipFill>
+          <a:blip r:embed="rId3"/>
+          <a:stretch>
+            <a:fillRect/>
+          </a:stretch>
+        </p:blipFill>
+        <p:spPr>
+          <a:xfrm>
+            <a:off x="4326256" y="2484153"/>
+            <a:ext cx="4173109" cy="3240000"/>
+          </a:xfrm>
+          <a:prstGeom prst="rect">
+            <a:avLst/>
+          </a:prstGeom>
+        </p:spPr>
+      </p:pic>
+    </p:spTree>
+    <p:extLst>
+      <p:ext uri="{BB962C8B-B14F-4D97-AF65-F5344CB8AC3E}">
+        <p14:creationId xmlns:p14="http://schemas.microsoft.com/office/powerpoint/2010/main" val="1990975553"/>
+      </p:ext>
+    </p:extLst>
+  </p:cSld>
+  <p:clrMapOvr>
+    <a:masterClrMapping/>
+  </p:clrMapOvr>
+</p:sld>
+</file>
+
+<file path=ppt/slides/slide9.xml><?xml version="1.0" encoding="utf-8"?>
+<p:sld xmlns:a="http://schemas.openxmlformats.org/drawingml/2006/main" xmlns:r="http://schemas.openxmlformats.org/officeDocument/2006/relationships" xmlns:p="http://schemas.openxmlformats.org/presentationml/2006/main">
+  <p:cSld>
+    <p:spTree>
+      <p:nvGrpSpPr>
+        <p:cNvPr id="1" name=""/>
+        <p:cNvGrpSpPr/>
+        <p:nvPr/>
+      </p:nvGrpSpPr>
+      <p:grpSpPr>
+        <a:xfrm>
+          <a:off x="0" y="0"/>
+          <a:ext cx="0" cy="0"/>
+          <a:chOff x="0" y="0"/>
+          <a:chExt cx="0" cy="0"/>
+        </a:xfrm>
+      </p:grpSpPr>
+      <p:sp>
+        <p:nvSpPr>
+          <p:cNvPr id="2" name="标题 1"/>
+          <p:cNvSpPr>
+            <a:spLocks noGrp="1"/>
+          </p:cNvSpPr>
+          <p:nvPr>
+            <p:ph type="title"/>
+          </p:nvPr>
+        </p:nvSpPr>
+        <p:spPr/>
+        <p:txBody>
+          <a:bodyPr/>
+          <a:lstStyle/>
+          <a:p>
+            <a:r>
+              <a:rPr lang="en-US" altLang="zh-CN" dirty="0" smtClean="0"/>
+              <a:t>USTC SDHCAL</a:t>
+            </a:r>
+            <a:endParaRPr lang="zh-CN" altLang="en-US" dirty="0"/>
+          </a:p>
+        </p:txBody>
+      </p:sp>
+      <p:sp>
+        <p:nvSpPr>
+          <p:cNvPr id="4" name="TextBox 30"/>
+          <p:cNvSpPr txBox="1"/>
+          <p:nvPr/>
+        </p:nvSpPr>
+        <p:spPr>
+          <a:xfrm>
+            <a:off x="96730" y="1214473"/>
+            <a:ext cx="5159375" cy="3416300"/>
+          </a:xfrm>
+          <a:prstGeom prst="rect">
+            <a:avLst/>
+          </a:prstGeom>
+          <a:noFill/>
+          <a:ln>
+            <a:noFill/>
+          </a:ln>
+        </p:spPr>
+        <p:txBody>
+          <a:bodyPr>
+            <a:spAutoFit/>
+          </a:bodyPr>
+          <a:lstStyle/>
+          <a:p>
+            <a:pPr marL="285750" indent="-285750">
+              <a:buFont typeface="Wingdings" panose="05000000000000000000" pitchFamily="2" charset="2"/>
+              <a:buChar char="l"/>
+              <a:defRPr/>
+            </a:pPr>
+            <a:r>
+              <a:rPr lang="en-US" altLang="zh-CN" dirty="0">
+                <a:latin typeface="Times New Roman" panose="02020603050405020304" pitchFamily="18" charset="0"/>
+                <a:cs typeface="Times New Roman" panose="02020603050405020304" pitchFamily="18" charset="0"/>
+              </a:rPr>
+              <a:t>Approximatively, 95% Energy included longitudinal length:</a:t>
+            </a:r>
+          </a:p>
+          <a:p>
+            <a:pPr>
+              <a:defRPr/>
+            </a:pPr>
+            <a:r>
+              <a:rPr lang="en-US" altLang="zh-CN" dirty="0">
+                <a:solidFill>
+                  <a:srgbClr val="00B0F0"/>
+                </a:solidFill>
+                <a:latin typeface="Times New Roman" panose="02020603050405020304" pitchFamily="18" charset="0"/>
+                <a:cs typeface="Times New Roman" panose="02020603050405020304" pitchFamily="18" charset="0"/>
+              </a:rPr>
+              <a:t>     L(95%)=[0.56*ln(E/GeV)+2.33]</a:t>
+            </a:r>
+            <a:r>
+              <a:rPr lang="el-GR" altLang="zh-CN" dirty="0">
+                <a:solidFill>
+                  <a:srgbClr val="00B0F0"/>
+                </a:solidFill>
+                <a:latin typeface="Times New Roman" panose="02020603050405020304" pitchFamily="18" charset="0"/>
+                <a:ea typeface="华文仿宋"/>
+                <a:cs typeface="Times New Roman" panose="02020603050405020304" pitchFamily="18" charset="0"/>
+              </a:rPr>
+              <a:t> λ</a:t>
+            </a:r>
+            <a:r>
+              <a:rPr lang="en-US" altLang="zh-CN" baseline="-25000" dirty="0">
+                <a:solidFill>
+                  <a:srgbClr val="00B0F0"/>
+                </a:solidFill>
+                <a:latin typeface="Times New Roman" panose="02020603050405020304" pitchFamily="18" charset="0"/>
+                <a:ea typeface="华文仿宋"/>
+                <a:cs typeface="Times New Roman" panose="02020603050405020304" pitchFamily="18" charset="0"/>
+              </a:rPr>
+              <a:t>I </a:t>
+            </a:r>
+            <a:r>
+              <a:rPr lang="en-US" altLang="zh-CN" dirty="0">
+                <a:solidFill>
+                  <a:srgbClr val="00B0F0"/>
+                </a:solidFill>
+                <a:latin typeface="Times New Roman" panose="02020603050405020304" pitchFamily="18" charset="0"/>
+                <a:ea typeface="华文仿宋"/>
+                <a:cs typeface="Times New Roman" panose="02020603050405020304" pitchFamily="18" charset="0"/>
+              </a:rPr>
+              <a:t> </a:t>
+            </a:r>
+          </a:p>
+          <a:p>
+            <a:pPr>
+              <a:defRPr/>
+            </a:pPr>
+            <a:r>
+              <a:rPr lang="en-US" altLang="zh-CN" dirty="0">
+                <a:solidFill>
+                  <a:srgbClr val="00B0F0"/>
+                </a:solidFill>
+                <a:latin typeface="Times New Roman" panose="02020603050405020304" pitchFamily="18" charset="0"/>
+                <a:ea typeface="华文仿宋"/>
+                <a:cs typeface="Times New Roman" panose="02020603050405020304" pitchFamily="18" charset="0"/>
+              </a:rPr>
+              <a:t>     E=100GeV, </a:t>
+            </a:r>
+            <a:r>
+              <a:rPr lang="en-US" altLang="zh-CN" dirty="0">
+                <a:solidFill>
+                  <a:srgbClr val="00B0F0"/>
+                </a:solidFill>
+                <a:latin typeface="Times New Roman" panose="02020603050405020304" pitchFamily="18" charset="0"/>
+                <a:cs typeface="Times New Roman" panose="02020603050405020304" pitchFamily="18" charset="0"/>
+              </a:rPr>
+              <a:t>L(95%)=4.9</a:t>
+            </a:r>
+            <a:r>
+              <a:rPr lang="el-GR" altLang="zh-CN" dirty="0">
+                <a:solidFill>
+                  <a:srgbClr val="00B0F0"/>
+                </a:solidFill>
+                <a:latin typeface="Times New Roman" panose="02020603050405020304" pitchFamily="18" charset="0"/>
+                <a:ea typeface="华文仿宋"/>
+                <a:cs typeface="Times New Roman" panose="02020603050405020304" pitchFamily="18" charset="0"/>
+              </a:rPr>
+              <a:t> λ</a:t>
+            </a:r>
+            <a:r>
+              <a:rPr lang="en-US" altLang="zh-CN" baseline="-25000" dirty="0">
+                <a:solidFill>
+                  <a:srgbClr val="00B0F0"/>
+                </a:solidFill>
+                <a:latin typeface="Times New Roman" panose="02020603050405020304" pitchFamily="18" charset="0"/>
+                <a:ea typeface="华文仿宋"/>
+                <a:cs typeface="Times New Roman" panose="02020603050405020304" pitchFamily="18" charset="0"/>
+              </a:rPr>
+              <a:t>I</a:t>
+            </a:r>
+            <a:r>
+              <a:rPr lang="en-US" altLang="zh-CN" dirty="0">
+                <a:solidFill>
+                  <a:srgbClr val="00B0F0"/>
+                </a:solidFill>
+                <a:latin typeface="Times New Roman" panose="02020603050405020304" pitchFamily="18" charset="0"/>
+                <a:ea typeface="华文仿宋"/>
+                <a:cs typeface="Times New Roman" panose="02020603050405020304" pitchFamily="18" charset="0"/>
+              </a:rPr>
+              <a:t>     =82.2cm(Fe)=48.7cm(W)=75.1cm(Cu)</a:t>
+            </a:r>
+          </a:p>
+          <a:p>
+            <a:pPr>
+              <a:defRPr/>
+            </a:pPr>
+            <a:endParaRPr lang="en-US" altLang="zh-CN" dirty="0">
+              <a:solidFill>
+                <a:srgbClr val="FF0000"/>
+              </a:solidFill>
+              <a:latin typeface="Times New Roman" panose="02020603050405020304" pitchFamily="18" charset="0"/>
+              <a:cs typeface="Times New Roman" panose="02020603050405020304" pitchFamily="18" charset="0"/>
+            </a:endParaRPr>
+          </a:p>
+          <a:p>
+            <a:pPr marL="285750" indent="-285750">
+              <a:buFont typeface="Wingdings" panose="05000000000000000000" pitchFamily="2" charset="2"/>
+              <a:buChar char="l"/>
+              <a:defRPr/>
+            </a:pPr>
+            <a:r>
+              <a:rPr lang="en-US" altLang="zh-CN" dirty="0">
+                <a:latin typeface="Times New Roman" panose="02020603050405020304" pitchFamily="18" charset="0"/>
+                <a:ea typeface="华文仿宋"/>
+                <a:cs typeface="Times New Roman" panose="02020603050405020304" pitchFamily="18" charset="0"/>
+              </a:rPr>
+              <a:t>The energy resolution of HCAL will be improved by using more sampling layers, but it won’t work any more when </a:t>
+            </a:r>
+            <a:r>
+              <a:rPr lang="en-US" altLang="zh-CN" dirty="0">
+                <a:solidFill>
+                  <a:srgbClr val="00B0F0"/>
+                </a:solidFill>
+                <a:latin typeface="Times New Roman" panose="02020603050405020304" pitchFamily="18" charset="0"/>
+                <a:ea typeface="华文仿宋"/>
+                <a:cs typeface="Times New Roman" panose="02020603050405020304" pitchFamily="18" charset="0"/>
+              </a:rPr>
+              <a:t>d&lt;2cm</a:t>
+            </a:r>
+            <a:r>
+              <a:rPr lang="en-US" altLang="zh-CN" dirty="0">
+                <a:solidFill>
+                  <a:srgbClr val="FFFF00"/>
+                </a:solidFill>
+                <a:latin typeface="Times New Roman" panose="02020603050405020304" pitchFamily="18" charset="0"/>
+                <a:ea typeface="华文仿宋"/>
+                <a:cs typeface="Times New Roman" panose="02020603050405020304" pitchFamily="18" charset="0"/>
+              </a:rPr>
+              <a:t> </a:t>
+            </a:r>
+            <a:r>
+              <a:rPr lang="en-US" altLang="zh-CN" dirty="0">
+                <a:latin typeface="Times New Roman" panose="02020603050405020304" pitchFamily="18" charset="0"/>
+                <a:ea typeface="华文仿宋"/>
+                <a:cs typeface="Times New Roman" panose="02020603050405020304" pitchFamily="18" charset="0"/>
+              </a:rPr>
+              <a:t>(for Fe) .</a:t>
+            </a:r>
+          </a:p>
+          <a:p>
+            <a:pPr marL="285750" indent="-285750">
+              <a:buFont typeface="Wingdings" panose="05000000000000000000" pitchFamily="2" charset="2"/>
+              <a:buChar char="l"/>
+              <a:defRPr/>
+            </a:pPr>
+            <a:endParaRPr lang="en-US" altLang="zh-CN" dirty="0">
+              <a:latin typeface="Times New Roman" panose="02020603050405020304" pitchFamily="18" charset="0"/>
+              <a:ea typeface="华文仿宋"/>
+              <a:cs typeface="Times New Roman" panose="02020603050405020304" pitchFamily="18" charset="0"/>
+            </a:endParaRPr>
+          </a:p>
+          <a:p>
+            <a:pPr marL="285750" indent="-285750">
+              <a:buFont typeface="Wingdings" panose="05000000000000000000" pitchFamily="2" charset="2"/>
+              <a:buChar char="l"/>
+              <a:defRPr/>
+            </a:pPr>
+            <a:r>
+              <a:rPr lang="en-US" altLang="zh-CN" dirty="0">
+                <a:latin typeface="Times New Roman" panose="02020603050405020304" pitchFamily="18" charset="0"/>
+                <a:ea typeface="华文仿宋"/>
+                <a:cs typeface="Times New Roman" panose="02020603050405020304" pitchFamily="18" charset="0"/>
+              </a:rPr>
+              <a:t>95% </a:t>
+            </a:r>
+            <a:r>
+              <a:rPr lang="en-US" altLang="zh-CN" dirty="0">
+                <a:latin typeface="Times New Roman" panose="02020603050405020304" pitchFamily="18" charset="0"/>
+                <a:cs typeface="Times New Roman" panose="02020603050405020304" pitchFamily="18" charset="0"/>
+              </a:rPr>
+              <a:t>Energy included transverse  radius: ~30cm for 50GeV </a:t>
+            </a:r>
+            <a:r>
+              <a:rPr lang="el-GR" altLang="zh-CN" dirty="0">
+                <a:latin typeface="Calibri"/>
+                <a:cs typeface="Calibri"/>
+              </a:rPr>
+              <a:t>π</a:t>
+            </a:r>
+            <a:r>
+              <a:rPr lang="el-GR" altLang="zh-CN" baseline="30000" dirty="0" smtClean="0">
+                <a:latin typeface="Calibri"/>
+                <a:cs typeface="Calibri"/>
+              </a:rPr>
+              <a:t>±</a:t>
+            </a:r>
+            <a:r>
+              <a:rPr lang="en-US" altLang="zh-CN" dirty="0" smtClean="0">
+                <a:solidFill>
+                  <a:srgbClr val="00B0F0"/>
+                </a:solidFill>
+                <a:latin typeface="Calibri"/>
+                <a:cs typeface="Calibri"/>
+              </a:rPr>
+              <a:t>, </a:t>
+            </a:r>
+            <a:r>
+              <a:rPr lang="en-US" altLang="zh-CN" dirty="0">
+                <a:solidFill>
+                  <a:srgbClr val="00B0F0"/>
+                </a:solidFill>
+                <a:latin typeface="Times New Roman" panose="02020603050405020304" pitchFamily="18" charset="0"/>
+                <a:cs typeface="Times New Roman" panose="02020603050405020304" pitchFamily="18" charset="0"/>
+              </a:rPr>
+              <a:t>99% hits in 70cm× 70cm</a:t>
+            </a:r>
+            <a:r>
+              <a:rPr lang="en-US" altLang="zh-CN" dirty="0">
+                <a:latin typeface="Times New Roman" panose="02020603050405020304" pitchFamily="18" charset="0"/>
+                <a:cs typeface="Times New Roman" panose="02020603050405020304" pitchFamily="18" charset="0"/>
+              </a:rPr>
+              <a:t>.</a:t>
+            </a:r>
+            <a:endParaRPr lang="en-US" altLang="zh-CN" dirty="0">
+              <a:latin typeface="Times New Roman" panose="02020603050405020304" pitchFamily="18" charset="0"/>
+              <a:ea typeface="华文仿宋"/>
+              <a:cs typeface="Times New Roman" panose="02020603050405020304" pitchFamily="18" charset="0"/>
+            </a:endParaRPr>
+          </a:p>
+        </p:txBody>
+      </p:sp>
+      <p:pic>
+        <p:nvPicPr>
+          <p:cNvPr id="5" name="图片 4"/>
+          <p:cNvPicPr>
+            <a:picLocks noChangeAspect="1"/>
+          </p:cNvPicPr>
+          <p:nvPr/>
+        </p:nvPicPr>
+        <p:blipFill>
+          <a:blip r:embed="rId2"/>
+          <a:stretch>
+            <a:fillRect/>
+          </a:stretch>
+        </p:blipFill>
+        <p:spPr>
+          <a:xfrm>
+            <a:off x="5319646" y="891676"/>
+            <a:ext cx="3866032" cy="3477123"/>
+          </a:xfrm>
+          <a:prstGeom prst="rect">
+            <a:avLst/>
+          </a:prstGeom>
+        </p:spPr>
+      </p:pic>
+      <p:pic>
+        <p:nvPicPr>
+          <p:cNvPr id="6" name="图片 5"/>
+          <p:cNvPicPr>
+            <a:picLocks noChangeAspect="1"/>
+          </p:cNvPicPr>
+          <p:nvPr/>
+        </p:nvPicPr>
+        <p:blipFill>
+          <a:blip r:embed="rId3"/>
+          <a:stretch>
+            <a:fillRect/>
+          </a:stretch>
+        </p:blipFill>
+        <p:spPr>
+          <a:xfrm>
+            <a:off x="205722" y="4630773"/>
+            <a:ext cx="2303404" cy="2235728"/>
+          </a:xfrm>
+          <a:prstGeom prst="rect">
+            <a:avLst/>
+          </a:prstGeom>
+        </p:spPr>
+      </p:pic>
+      <p:pic>
+        <p:nvPicPr>
+          <p:cNvPr id="8" name="图片 7"/>
+          <p:cNvPicPr>
+            <a:picLocks noChangeAspect="1"/>
+          </p:cNvPicPr>
+          <p:nvPr/>
+        </p:nvPicPr>
+        <p:blipFill>
+          <a:blip r:embed="rId4"/>
+          <a:stretch>
+            <a:fillRect/>
+          </a:stretch>
+        </p:blipFill>
+        <p:spPr>
+          <a:xfrm>
+            <a:off x="5319646" y="5133768"/>
+            <a:ext cx="3933946" cy="1437128"/>
+          </a:xfrm>
+          <a:prstGeom prst="rect">
+            <a:avLst/>
+          </a:prstGeom>
+        </p:spPr>
+      </p:pic>
+    </p:spTree>
+    <p:extLst>
+      <p:ext uri="{BB962C8B-B14F-4D97-AF65-F5344CB8AC3E}">
+        <p14:creationId xmlns:p14="http://schemas.microsoft.com/office/powerpoint/2010/main" val="1801815"/>
+      </p:ext>
+    </p:extLst>
+  </p:cSld>
+  <p:clrMapOvr>
+    <a:masterClrMapping/>
+  </p:clrMapOvr>
+  <p:timing>
+    <p:tnLst>
+      <p:par>
+        <p:cTn id="1" dur="indefinite" restart="never" nodeType="tmRoot"/>
+      </p:par>
+    </p:tnLst>
+  </p:timing>
 </p:sld>
 </file>
 
